--- a/Lectures/13 Review of CAP and Regression.pptx
+++ b/Lectures/13 Review of CAP and Regression.pptx
@@ -5,10 +5,10 @@
     <p:sldMasterId id="2147483648" r:id="rId1"/>
   </p:sldMasterIdLst>
   <p:notesMasterIdLst>
-    <p:notesMasterId r:id="rId40"/>
+    <p:notesMasterId r:id="rId41"/>
   </p:notesMasterIdLst>
   <p:handoutMasterIdLst>
-    <p:handoutMasterId r:id="rId41"/>
+    <p:handoutMasterId r:id="rId42"/>
   </p:handoutMasterIdLst>
   <p:sldIdLst>
     <p:sldId id="258" r:id="rId2"/>
@@ -20,35 +20,36 @@
     <p:sldId id="335" r:id="rId8"/>
     <p:sldId id="336" r:id="rId9"/>
     <p:sldId id="332" r:id="rId10"/>
-    <p:sldId id="337" r:id="rId11"/>
-    <p:sldId id="260" r:id="rId12"/>
-    <p:sldId id="324" r:id="rId13"/>
-    <p:sldId id="325" r:id="rId14"/>
-    <p:sldId id="326" r:id="rId15"/>
-    <p:sldId id="327" r:id="rId16"/>
-    <p:sldId id="328" r:id="rId17"/>
-    <p:sldId id="329" r:id="rId18"/>
-    <p:sldId id="350" r:id="rId19"/>
-    <p:sldId id="352" r:id="rId20"/>
-    <p:sldId id="353" r:id="rId21"/>
-    <p:sldId id="354" r:id="rId22"/>
-    <p:sldId id="355" r:id="rId23"/>
-    <p:sldId id="338" r:id="rId24"/>
-    <p:sldId id="289" r:id="rId25"/>
-    <p:sldId id="341" r:id="rId26"/>
-    <p:sldId id="342" r:id="rId27"/>
-    <p:sldId id="340" r:id="rId28"/>
-    <p:sldId id="339" r:id="rId29"/>
-    <p:sldId id="343" r:id="rId30"/>
-    <p:sldId id="293" r:id="rId31"/>
-    <p:sldId id="296" r:id="rId32"/>
-    <p:sldId id="344" r:id="rId33"/>
-    <p:sldId id="345" r:id="rId34"/>
-    <p:sldId id="346" r:id="rId35"/>
-    <p:sldId id="347" r:id="rId36"/>
-    <p:sldId id="348" r:id="rId37"/>
-    <p:sldId id="299" r:id="rId38"/>
-    <p:sldId id="356" r:id="rId39"/>
+    <p:sldId id="357" r:id="rId11"/>
+    <p:sldId id="337" r:id="rId12"/>
+    <p:sldId id="260" r:id="rId13"/>
+    <p:sldId id="324" r:id="rId14"/>
+    <p:sldId id="325" r:id="rId15"/>
+    <p:sldId id="326" r:id="rId16"/>
+    <p:sldId id="327" r:id="rId17"/>
+    <p:sldId id="328" r:id="rId18"/>
+    <p:sldId id="329" r:id="rId19"/>
+    <p:sldId id="350" r:id="rId20"/>
+    <p:sldId id="352" r:id="rId21"/>
+    <p:sldId id="353" r:id="rId22"/>
+    <p:sldId id="354" r:id="rId23"/>
+    <p:sldId id="355" r:id="rId24"/>
+    <p:sldId id="338" r:id="rId25"/>
+    <p:sldId id="289" r:id="rId26"/>
+    <p:sldId id="341" r:id="rId27"/>
+    <p:sldId id="342" r:id="rId28"/>
+    <p:sldId id="340" r:id="rId29"/>
+    <p:sldId id="339" r:id="rId30"/>
+    <p:sldId id="343" r:id="rId31"/>
+    <p:sldId id="293" r:id="rId32"/>
+    <p:sldId id="296" r:id="rId33"/>
+    <p:sldId id="344" r:id="rId34"/>
+    <p:sldId id="345" r:id="rId35"/>
+    <p:sldId id="346" r:id="rId36"/>
+    <p:sldId id="347" r:id="rId37"/>
+    <p:sldId id="348" r:id="rId38"/>
+    <p:sldId id="299" r:id="rId39"/>
+    <p:sldId id="356" r:id="rId40"/>
   </p:sldIdLst>
   <p:sldSz cx="9144000" cy="6858000" type="screen4x3"/>
   <p:notesSz cx="6858000" cy="9144000"/>
@@ -232,7 +233,7 @@
           <a:p>
             <a:fld id="{D3AAB66F-B1B7-D045-B4E8-4F60236F228D}" type="datetimeFigureOut">
               <a:rPr lang="en-US" smtClean="0"/>
-              <a:t>3/31/14</a:t>
+              <a:t>4/1/14</a:t>
             </a:fld>
             <a:endParaRPr lang="en-US"/>
           </a:p>
@@ -398,7 +399,7 @@
           <a:p>
             <a:fld id="{BCCF8E76-06A6-164E-A6FA-EC32C13EB232}" type="datetimeFigureOut">
               <a:rPr lang="en-US" smtClean="0"/>
-              <a:t>3/31/14</a:t>
+              <a:t>4/1/14</a:t>
             </a:fld>
             <a:endParaRPr lang="en-US"/>
           </a:p>
@@ -820,7 +821,7 @@
           <a:p>
             <a:fld id="{FD66F34B-9C4D-8640-BB34-4C24A79C9FFB}" type="slidenum">
               <a:rPr lang="en-US" smtClean="0"/>
-              <a:t>27</a:t>
+              <a:t>28</a:t>
             </a:fld>
             <a:endParaRPr lang="en-US"/>
           </a:p>
@@ -905,7 +906,7 @@
             <a:fld id="{3C700D86-F039-EC42-8630-CEEC8B777A40}" type="slidenum">
               <a:rPr lang="en-US" smtClean="0"/>
               <a:pPr/>
-              <a:t>30</a:t>
+              <a:t>31</a:t>
             </a:fld>
             <a:endParaRPr lang="en-US"/>
           </a:p>
@@ -1056,7 +1057,7 @@
           <a:p>
             <a:fld id="{FD66F34B-9C4D-8640-BB34-4C24A79C9FFB}" type="slidenum">
               <a:rPr lang="en-US" smtClean="0"/>
-              <a:t>31</a:t>
+              <a:t>32</a:t>
             </a:fld>
             <a:endParaRPr lang="en-US"/>
           </a:p>
@@ -1152,7 +1153,7 @@
           <a:p>
             <a:fld id="{FD66F34B-9C4D-8640-BB34-4C24A79C9FFB}" type="slidenum">
               <a:rPr lang="en-US" smtClean="0"/>
-              <a:t>32</a:t>
+              <a:t>33</a:t>
             </a:fld>
             <a:endParaRPr lang="en-US"/>
           </a:p>
@@ -1236,7 +1237,7 @@
           <a:p>
             <a:fld id="{FD66F34B-9C4D-8640-BB34-4C24A79C9FFB}" type="slidenum">
               <a:rPr lang="en-US" smtClean="0"/>
-              <a:t>33</a:t>
+              <a:t>34</a:t>
             </a:fld>
             <a:endParaRPr lang="en-US"/>
           </a:p>
@@ -1320,7 +1321,7 @@
           <a:p>
             <a:fld id="{FD66F34B-9C4D-8640-BB34-4C24A79C9FFB}" type="slidenum">
               <a:rPr lang="en-US" smtClean="0"/>
-              <a:t>34</a:t>
+              <a:t>35</a:t>
             </a:fld>
             <a:endParaRPr lang="en-US"/>
           </a:p>
@@ -1404,7 +1405,7 @@
           <a:p>
             <a:fld id="{FD66F34B-9C4D-8640-BB34-4C24A79C9FFB}" type="slidenum">
               <a:rPr lang="en-US" smtClean="0"/>
-              <a:t>35</a:t>
+              <a:t>36</a:t>
             </a:fld>
             <a:endParaRPr lang="en-US"/>
           </a:p>
@@ -1488,7 +1489,7 @@
           <a:p>
             <a:fld id="{FD66F34B-9C4D-8640-BB34-4C24A79C9FFB}" type="slidenum">
               <a:rPr lang="en-US" smtClean="0"/>
-              <a:t>36</a:t>
+              <a:t>37</a:t>
             </a:fld>
             <a:endParaRPr lang="en-US"/>
           </a:p>
@@ -1593,7 +1594,7 @@
           <a:p>
             <a:fld id="{FD66F34B-9C4D-8640-BB34-4C24A79C9FFB}" type="slidenum">
               <a:rPr lang="en-US" smtClean="0"/>
-              <a:t>15</a:t>
+              <a:t>16</a:t>
             </a:fld>
             <a:endParaRPr lang="en-US"/>
           </a:p>
@@ -1929,7 +1930,7 @@
           <a:p>
             <a:fld id="{FD66F34B-9C4D-8640-BB34-4C24A79C9FFB}" type="slidenum">
               <a:rPr lang="en-US" smtClean="0"/>
-              <a:t>16</a:t>
+              <a:t>17</a:t>
             </a:fld>
             <a:endParaRPr lang="en-US"/>
           </a:p>
@@ -2265,7 +2266,7 @@
           <a:p>
             <a:fld id="{FD66F34B-9C4D-8640-BB34-4C24A79C9FFB}" type="slidenum">
               <a:rPr lang="en-US" smtClean="0"/>
-              <a:t>17</a:t>
+              <a:t>18</a:t>
             </a:fld>
             <a:endParaRPr lang="en-US"/>
           </a:p>
@@ -2433,7 +2434,7 @@
           <a:p>
             <a:fld id="{FD66F34B-9C4D-8640-BB34-4C24A79C9FFB}" type="slidenum">
               <a:rPr lang="en-US" smtClean="0"/>
-              <a:t>18</a:t>
+              <a:t>19</a:t>
             </a:fld>
             <a:endParaRPr lang="en-US"/>
           </a:p>
@@ -2573,7 +2574,7 @@
           <a:p>
             <a:fld id="{FD66F34B-9C4D-8640-BB34-4C24A79C9FFB}" type="slidenum">
               <a:rPr lang="en-US" smtClean="0"/>
-              <a:t>19</a:t>
+              <a:t>20</a:t>
             </a:fld>
             <a:endParaRPr lang="en-US"/>
           </a:p>
@@ -2706,7 +2707,7 @@
           <a:p>
             <a:fld id="{FD66F34B-9C4D-8640-BB34-4C24A79C9FFB}" type="slidenum">
               <a:rPr lang="en-US" smtClean="0"/>
-              <a:t>20</a:t>
+              <a:t>21</a:t>
             </a:fld>
             <a:endParaRPr lang="en-US"/>
           </a:p>
@@ -2851,7 +2852,7 @@
           <a:p>
             <a:fld id="{FD66F34B-9C4D-8640-BB34-4C24A79C9FFB}" type="slidenum">
               <a:rPr lang="en-US" smtClean="0"/>
-              <a:t>21</a:t>
+              <a:t>22</a:t>
             </a:fld>
             <a:endParaRPr lang="en-US"/>
           </a:p>
@@ -2939,7 +2940,7 @@
           <a:p>
             <a:fld id="{FD66F34B-9C4D-8640-BB34-4C24A79C9FFB}" type="slidenum">
               <a:rPr lang="en-US" smtClean="0"/>
-              <a:t>24</a:t>
+              <a:t>25</a:t>
             </a:fld>
             <a:endParaRPr lang="en-US"/>
           </a:p>
@@ -3475,7 +3476,7 @@
             <a:fld id="{FA3C144B-2939-9A49-B014-915EC3E81866}" type="datetime1">
               <a:rPr lang="en-US" smtClean="0"/>
               <a:pPr/>
-              <a:t>3/31/14</a:t>
+              <a:t>4/1/14</a:t>
             </a:fld>
             <a:endParaRPr lang="en-US" dirty="0"/>
           </a:p>
@@ -3904,7 +3905,7 @@
           <a:p>
             <a:fld id="{76838339-A875-5E45-AB3F-AAABD270346A}" type="datetime1">
               <a:rPr lang="en-US" smtClean="0"/>
-              <a:t>3/31/14</a:t>
+              <a:t>4/1/14</a:t>
             </a:fld>
             <a:endParaRPr lang="en-US"/>
           </a:p>
@@ -4190,7 +4191,7 @@
             <a:fld id="{FA3C144B-2939-9A49-B014-915EC3E81866}" type="datetime1">
               <a:rPr lang="en-US" smtClean="0"/>
               <a:pPr/>
-              <a:t>3/31/14</a:t>
+              <a:t>4/1/14</a:t>
             </a:fld>
             <a:endParaRPr lang="en-US" dirty="0"/>
           </a:p>
@@ -4672,7 +4673,7 @@
           <a:p>
             <a:fld id="{A73F672F-A5FB-5745-934A-1BF51CA5539C}" type="datetime1">
               <a:rPr lang="en-US" smtClean="0"/>
-              <a:t>3/31/14</a:t>
+              <a:t>4/1/14</a:t>
             </a:fld>
             <a:endParaRPr lang="en-US"/>
           </a:p>
@@ -5014,7 +5015,7 @@
             <a:fld id="{FA3C144B-2939-9A49-B014-915EC3E81866}" type="datetime1">
               <a:rPr lang="en-US" smtClean="0"/>
               <a:pPr/>
-              <a:t>3/31/14</a:t>
+              <a:t>4/1/14</a:t>
             </a:fld>
             <a:endParaRPr lang="en-US" dirty="0"/>
           </a:p>
@@ -5478,7 +5479,7 @@
           <a:p>
             <a:fld id="{6AFE6A63-5EBE-3E48-B0AE-DF655A1ECE76}" type="datetime1">
               <a:rPr lang="en-US" smtClean="0"/>
-              <a:t>3/31/14</a:t>
+              <a:t>4/1/14</a:t>
             </a:fld>
             <a:endParaRPr lang="en-US"/>
           </a:p>
@@ -5797,7 +5798,7 @@
           <a:p>
             <a:fld id="{4A019F0C-9D18-B54A-9AC9-18AA74EDB034}" type="datetime1">
               <a:rPr lang="en-US" smtClean="0"/>
-              <a:t>3/31/14</a:t>
+              <a:t>4/1/14</a:t>
             </a:fld>
             <a:endParaRPr lang="en-US"/>
           </a:p>
@@ -6107,7 +6108,7 @@
             <a:fld id="{FA3C144B-2939-9A49-B014-915EC3E81866}" type="datetime1">
               <a:rPr lang="en-US" smtClean="0"/>
               <a:pPr/>
-              <a:t>3/31/14</a:t>
+              <a:t>4/1/14</a:t>
             </a:fld>
             <a:endParaRPr lang="en-US" dirty="0"/>
           </a:p>
@@ -6370,7 +6371,7 @@
           <a:p>
             <a:fld id="{FA3C144B-2939-9A49-B014-915EC3E81866}" type="datetime1">
               <a:rPr lang="en-US" smtClean="0"/>
-              <a:t>3/31/14</a:t>
+              <a:t>4/1/14</a:t>
             </a:fld>
             <a:endParaRPr lang="en-US" dirty="0"/>
           </a:p>
@@ -6865,7 +6866,7 @@
           <a:p>
             <a:fld id="{7053BEFA-1175-F644-B249-7D41D72BD3FF}" type="datetime1">
               <a:rPr lang="en-US" smtClean="0"/>
-              <a:t>3/31/14</a:t>
+              <a:t>4/1/14</a:t>
             </a:fld>
             <a:endParaRPr lang="en-US"/>
           </a:p>
@@ -6984,7 +6985,7 @@
             <a:fld id="{FA3C144B-2939-9A49-B014-915EC3E81866}" type="datetime1">
               <a:rPr lang="en-US" smtClean="0"/>
               <a:pPr/>
-              <a:t>3/31/14</a:t>
+              <a:t>4/1/14</a:t>
             </a:fld>
             <a:endParaRPr lang="en-US" dirty="0"/>
           </a:p>
@@ -7201,7 +7202,7 @@
             <a:fld id="{FA3C144B-2939-9A49-B014-915EC3E81866}" type="datetime1">
               <a:rPr lang="en-US" smtClean="0"/>
               <a:pPr/>
-              <a:t>3/31/14</a:t>
+              <a:t>4/1/14</a:t>
             </a:fld>
             <a:endParaRPr lang="en-US" dirty="0"/>
           </a:p>
@@ -7446,7 +7447,7 @@
             <a:fld id="{FA3C144B-2939-9A49-B014-915EC3E81866}" type="datetime1">
               <a:rPr lang="en-US" smtClean="0"/>
               <a:pPr/>
-              <a:t>3/31/14</a:t>
+              <a:t>4/1/14</a:t>
             </a:fld>
             <a:endParaRPr lang="en-US" dirty="0"/>
           </a:p>
@@ -7824,7 +7825,7 @@
           <a:p>
             <a:fld id="{111EEF3B-ABF2-AA4E-9E24-0C6256942674}" type="datetime1">
               <a:rPr lang="en-US" smtClean="0"/>
-              <a:t>3/31/14</a:t>
+              <a:t>4/1/14</a:t>
             </a:fld>
             <a:endParaRPr lang="en-US"/>
           </a:p>
@@ -7988,7 +7989,7 @@
             <a:fld id="{FA3C144B-2939-9A49-B014-915EC3E81866}" type="datetime1">
               <a:rPr lang="en-US" smtClean="0"/>
               <a:pPr/>
-              <a:t>3/31/14</a:t>
+              <a:t>4/1/14</a:t>
             </a:fld>
             <a:endParaRPr lang="en-US" dirty="0"/>
           </a:p>
@@ -8405,7 +8406,7 @@
             <a:fld id="{FA3C144B-2939-9A49-B014-915EC3E81866}" type="datetime1">
               <a:rPr lang="en-US" smtClean="0"/>
               <a:pPr/>
-              <a:t>3/31/14</a:t>
+              <a:t>4/1/14</a:t>
             </a:fld>
             <a:endParaRPr lang="en-US" dirty="0"/>
           </a:p>
@@ -8721,7 +8722,7 @@
             <a:fld id="{FA3C144B-2939-9A49-B014-915EC3E81866}" type="datetime1">
               <a:rPr lang="en-US" smtClean="0"/>
               <a:pPr/>
-              <a:t>3/31/14</a:t>
+              <a:t>4/1/14</a:t>
             </a:fld>
             <a:endParaRPr lang="en-US" dirty="0"/>
           </a:p>
@@ -9387,7 +9388,7 @@
             <a:fld id="{FA3C144B-2939-9A49-B014-915EC3E81866}" type="datetime1">
               <a:rPr lang="en-US" smtClean="0"/>
               <a:pPr/>
-              <a:t>3/31/14</a:t>
+              <a:t>4/1/14</a:t>
             </a:fld>
             <a:endParaRPr lang="en-US" dirty="0"/>
           </a:p>
@@ -10114,7 +10115,7 @@
           <a:p>
             <a:r>
               <a:rPr lang="en-US" dirty="0" smtClean="0"/>
-              <a:t>??</a:t>
+              <a:t>Review of CAP and Regression </a:t>
             </a:r>
           </a:p>
         </p:txBody>
@@ -10473,7 +10474,7 @@
           <a:p>
             <a:r>
               <a:rPr lang="en-US" dirty="0" smtClean="0"/>
-              <a:t>Goals for today</a:t>
+              <a:t>Office hours for byte 6</a:t>
             </a:r>
             <a:endParaRPr lang="en-US" dirty="0"/>
           </a:p>
@@ -10494,93 +10495,23 @@
           <a:bodyPr/>
           <a:lstStyle/>
           <a:p>
-            <a:pPr marL="0" indent="0">
-              <a:buNone/>
-            </a:pPr>
-            <a:r>
-              <a:rPr lang="en-US" dirty="0"/>
-              <a:t>Quiz 8 </a:t>
-            </a:r>
-            <a:r>
-              <a:rPr lang="en-US" dirty="0" smtClean="0"/>
-              <a:t>answers</a:t>
-            </a:r>
-          </a:p>
-          <a:p>
-            <a:pPr marL="0" indent="0">
-              <a:buNone/>
-            </a:pPr>
-            <a:r>
-              <a:rPr lang="en-US" dirty="0"/>
-              <a:t>Quiz </a:t>
-            </a:r>
-            <a:r>
-              <a:rPr lang="en-US" dirty="0" smtClean="0"/>
-              <a:t>9</a:t>
-            </a:r>
-          </a:p>
-          <a:p>
-            <a:pPr marL="0" indent="0">
-              <a:buNone/>
-            </a:pPr>
-            <a:r>
-              <a:rPr lang="en-US" dirty="0"/>
-              <a:t>Byte 5 </a:t>
-            </a:r>
-            <a:r>
-              <a:rPr lang="en-US" dirty="0" smtClean="0"/>
-              <a:t>Results</a:t>
-            </a:r>
-          </a:p>
-          <a:p>
-            <a:pPr marL="0" indent="0">
-              <a:buNone/>
-            </a:pPr>
-            <a:r>
-              <a:rPr lang="en-US" dirty="0"/>
-              <a:t>Final Project </a:t>
-            </a:r>
-            <a:r>
-              <a:rPr lang="en-US" dirty="0" smtClean="0"/>
-              <a:t>Discussion</a:t>
-            </a:r>
+            <a:r>
+              <a:rPr lang="en-US" dirty="0" smtClean="0"/>
+              <a:t>Tuesday: 12-1pm</a:t>
+            </a:r>
+          </a:p>
+          <a:p>
+            <a:r>
+              <a:rPr lang="en-US" smtClean="0"/>
+              <a:t>Thursday </a:t>
+            </a:r>
+            <a:r>
+              <a:rPr lang="en-US" dirty="0" smtClean="0"/>
+              <a:t>10:30-11am</a:t>
+            </a:r>
+          </a:p>
+          <a:p>
             <a:endParaRPr lang="en-US" dirty="0"/>
-          </a:p>
-          <a:p>
-            <a:pPr marL="0" indent="0">
-              <a:buNone/>
-            </a:pPr>
-            <a:r>
-              <a:rPr lang="en-US" dirty="0" smtClean="0"/>
-              <a:t>Revisit: </a:t>
-            </a:r>
-            <a:endParaRPr lang="en-US" dirty="0" smtClean="0"/>
-          </a:p>
-          <a:p>
-            <a:pPr marL="0" indent="0">
-              <a:buNone/>
-            </a:pPr>
-            <a:r>
-              <a:rPr lang="en-US" dirty="0"/>
-              <a:t>	</a:t>
-            </a:r>
-            <a:r>
-              <a:rPr lang="en-US" dirty="0" smtClean="0"/>
-              <a:t>CAP</a:t>
-            </a:r>
-          </a:p>
-          <a:p>
-            <a:pPr marL="0" indent="0">
-              <a:buNone/>
-            </a:pPr>
-            <a:r>
-              <a:rPr lang="en-US" dirty="0"/>
-              <a:t>	</a:t>
-            </a:r>
-            <a:r>
-              <a:rPr lang="en-US" dirty="0" smtClean="0"/>
-              <a:t>Logistic Regression</a:t>
-            </a:r>
           </a:p>
         </p:txBody>
       </p:sp>
@@ -10601,7 +10532,7 @@
           <a:p>
             <a:fld id="{7053BEFA-1175-F644-B249-7D41D72BD3FF}" type="datetime1">
               <a:rPr lang="en-US" smtClean="0"/>
-              <a:t>3/31/14</a:t>
+              <a:t>4/1/14</a:t>
             </a:fld>
             <a:endParaRPr lang="en-US"/>
           </a:p>
@@ -10652,13 +10583,20 @@
     </p:spTree>
     <p:extLst>
       <p:ext uri="{BB962C8B-B14F-4D97-AF65-F5344CB8AC3E}">
-        <p14:creationId xmlns:p14="http://schemas.microsoft.com/office/powerpoint/2010/main" val="668991910"/>
+        <p14:creationId xmlns:p14="http://schemas.microsoft.com/office/powerpoint/2010/main" val="4251352734"/>
       </p:ext>
     </p:extLst>
   </p:cSld>
   <p:clrMapOvr>
     <a:masterClrMapping/>
   </p:clrMapOvr>
+  <p:timing>
+    <p:tnLst>
+      <p:par>
+        <p:cTn xmlns:p14="http://schemas.microsoft.com/office/powerpoint/2010/main" id="1" dur="indefinite" restart="never" nodeType="tmRoot"/>
+      </p:par>
+    </p:tnLst>
+  </p:timing>
 </p:sld>
 </file>
 
@@ -10696,7 +10634,7 @@
           <a:p>
             <a:r>
               <a:rPr lang="en-US" dirty="0" smtClean="0"/>
-              <a:t>CAP Theorem</a:t>
+              <a:t>Goals for today</a:t>
             </a:r>
             <a:endParaRPr lang="en-US" dirty="0"/>
           </a:p>
@@ -10721,52 +10659,88 @@
               <a:buNone/>
             </a:pPr>
             <a:r>
-              <a:rPr lang="en-US" dirty="0" smtClean="0"/>
-              <a:t>Cannot maximize </a:t>
-            </a:r>
-            <a:r>
-              <a:rPr lang="en-US" i="1" dirty="0" smtClean="0"/>
-              <a:t>Consistency, Availability </a:t>
-            </a:r>
-            <a:r>
-              <a:rPr lang="en-US" dirty="0" smtClean="0"/>
-              <a:t>and </a:t>
-            </a:r>
-            <a:r>
-              <a:rPr lang="en-US" i="1" dirty="0" smtClean="0"/>
-              <a:t>Partition Tolerance </a:t>
-            </a:r>
-            <a:r>
-              <a:rPr lang="en-US" dirty="0" smtClean="0"/>
-              <a:t>(in the event of a partial failure). </a:t>
+              <a:rPr lang="en-US" dirty="0"/>
+              <a:t>Quiz 8 </a:t>
+            </a:r>
+            <a:r>
+              <a:rPr lang="en-US" dirty="0" smtClean="0"/>
+              <a:t>answers</a:t>
             </a:r>
           </a:p>
           <a:p>
             <a:pPr marL="0" indent="0">
               <a:buNone/>
             </a:pPr>
-            <a:endParaRPr lang="en-US" i="1" dirty="0" smtClean="0"/>
+            <a:r>
+              <a:rPr lang="en-US" dirty="0"/>
+              <a:t>Quiz </a:t>
+            </a:r>
+            <a:r>
+              <a:rPr lang="en-US" dirty="0" smtClean="0"/>
+              <a:t>9</a:t>
+            </a:r>
           </a:p>
           <a:p>
             <a:pPr marL="0" indent="0">
               <a:buNone/>
             </a:pPr>
             <a:r>
-              <a:rPr lang="en-US" i="1" dirty="0" smtClean="0"/>
-              <a:t>Every data storage solution makes tradeoffs</a:t>
+              <a:rPr lang="en-US" dirty="0"/>
+              <a:t>Byte 5 </a:t>
+            </a:r>
+            <a:r>
+              <a:rPr lang="en-US" dirty="0" smtClean="0"/>
+              <a:t>Results</a:t>
             </a:r>
           </a:p>
           <a:p>
             <a:pPr marL="0" indent="0">
               <a:buNone/>
             </a:pPr>
+            <a:r>
+              <a:rPr lang="en-US" dirty="0"/>
+              <a:t>Final Project </a:t>
+            </a:r>
+            <a:r>
+              <a:rPr lang="en-US" dirty="0" smtClean="0"/>
+              <a:t>Discussion</a:t>
+            </a:r>
             <a:endParaRPr lang="en-US" dirty="0"/>
           </a:p>
           <a:p>
             <a:pPr marL="0" indent="0">
               <a:buNone/>
             </a:pPr>
-            <a:endParaRPr lang="en-US" dirty="0"/>
+            <a:r>
+              <a:rPr lang="en-US" dirty="0" smtClean="0"/>
+              <a:t>Revisit: </a:t>
+            </a:r>
+          </a:p>
+          <a:p>
+            <a:pPr marL="0" indent="0">
+              <a:buNone/>
+            </a:pPr>
+            <a:r>
+              <a:rPr lang="en-US" dirty="0"/>
+              <a:t>	</a:t>
+            </a:r>
+            <a:r>
+              <a:rPr lang="en-US" dirty="0" smtClean="0"/>
+              <a:t>CAP</a:t>
+            </a:r>
+          </a:p>
+          <a:p>
+            <a:pPr marL="0" indent="0">
+              <a:buNone/>
+            </a:pPr>
+            <a:r>
+              <a:rPr lang="en-US" dirty="0"/>
+              <a:t>	</a:t>
+            </a:r>
+            <a:r>
+              <a:rPr lang="en-US" dirty="0" smtClean="0"/>
+              <a:t>Logistic Regression</a:t>
+            </a:r>
           </a:p>
         </p:txBody>
       </p:sp>
@@ -10787,7 +10761,7 @@
           <a:p>
             <a:fld id="{7053BEFA-1175-F644-B249-7D41D72BD3FF}" type="datetime1">
               <a:rPr lang="en-US" smtClean="0"/>
-              <a:t>3/31/14</a:t>
+              <a:t>4/1/14</a:t>
             </a:fld>
             <a:endParaRPr lang="en-US"/>
           </a:p>
@@ -10838,13 +10812,20 @@
     </p:spTree>
     <p:extLst>
       <p:ext uri="{BB962C8B-B14F-4D97-AF65-F5344CB8AC3E}">
-        <p14:creationId xmlns:p14="http://schemas.microsoft.com/office/powerpoint/2010/main" val="825452211"/>
+        <p14:creationId xmlns:p14="http://schemas.microsoft.com/office/powerpoint/2010/main" val="668991910"/>
       </p:ext>
     </p:extLst>
   </p:cSld>
   <p:clrMapOvr>
     <a:masterClrMapping/>
   </p:clrMapOvr>
+  <p:timing>
+    <p:tnLst>
+      <p:par>
+        <p:cTn xmlns:p14="http://schemas.microsoft.com/office/powerpoint/2010/main" id="1" dur="indefinite" restart="never" nodeType="tmRoot"/>
+      </p:par>
+    </p:tnLst>
+  </p:timing>
 </p:sld>
 </file>
 
@@ -10912,21 +10893,47 @@
             </a:r>
             <a:r>
               <a:rPr lang="en-US" i="1" dirty="0" smtClean="0"/>
-              <a:t>Consistency, </a:t>
+              <a:t>Consistency, Availability </a:t>
+            </a:r>
+            <a:r>
+              <a:rPr lang="en-US" dirty="0" smtClean="0"/>
+              <a:t>and </a:t>
+            </a:r>
+            <a:r>
+              <a:rPr lang="en-US" i="1" dirty="0" smtClean="0"/>
+              <a:t>Partition Tolerance </a:t>
+            </a:r>
+            <a:r>
+              <a:rPr lang="en-US" dirty="0" smtClean="0"/>
+              <a:t>(in the event of a partial failure). </a:t>
             </a:r>
           </a:p>
           <a:p>
             <a:pPr marL="0" indent="0">
               <a:buNone/>
             </a:pPr>
-            <a:r>
-              <a:rPr lang="en-US" dirty="0" smtClean="0"/>
-              <a:t>	all </a:t>
-            </a:r>
-            <a:r>
-              <a:rPr lang="en-US" dirty="0"/>
-              <a:t>nodes see the same data at the same time</a:t>
-            </a:r>
+            <a:endParaRPr lang="en-US" i="1" dirty="0" smtClean="0"/>
+          </a:p>
+          <a:p>
+            <a:pPr marL="0" indent="0">
+              <a:buNone/>
+            </a:pPr>
+            <a:r>
+              <a:rPr lang="en-US" i="1" dirty="0" smtClean="0"/>
+              <a:t>Every data storage solution makes tradeoffs</a:t>
+            </a:r>
+          </a:p>
+          <a:p>
+            <a:pPr marL="0" indent="0">
+              <a:buNone/>
+            </a:pPr>
+            <a:endParaRPr lang="en-US" dirty="0"/>
+          </a:p>
+          <a:p>
+            <a:pPr marL="0" indent="0">
+              <a:buNone/>
+            </a:pPr>
+            <a:endParaRPr lang="en-US" dirty="0"/>
           </a:p>
         </p:txBody>
       </p:sp>
@@ -10947,7 +10954,7 @@
           <a:p>
             <a:fld id="{7053BEFA-1175-F644-B249-7D41D72BD3FF}" type="datetime1">
               <a:rPr lang="en-US" smtClean="0"/>
-              <a:t>3/31/14</a:t>
+              <a:t>4/1/14</a:t>
             </a:fld>
             <a:endParaRPr lang="en-US"/>
           </a:p>
@@ -10998,13 +11005,20 @@
     </p:spTree>
     <p:extLst>
       <p:ext uri="{BB962C8B-B14F-4D97-AF65-F5344CB8AC3E}">
-        <p14:creationId xmlns:p14="http://schemas.microsoft.com/office/powerpoint/2010/main" val="2961962120"/>
+        <p14:creationId xmlns:p14="http://schemas.microsoft.com/office/powerpoint/2010/main" val="825452211"/>
       </p:ext>
     </p:extLst>
   </p:cSld>
   <p:clrMapOvr>
     <a:masterClrMapping/>
   </p:clrMapOvr>
+  <p:timing>
+    <p:tnLst>
+      <p:par>
+        <p:cTn xmlns:p14="http://schemas.microsoft.com/office/powerpoint/2010/main" id="1" dur="indefinite" restart="never" nodeType="tmRoot"/>
+      </p:par>
+    </p:tnLst>
+  </p:timing>
 </p:sld>
 </file>
 
@@ -11072,7 +11086,7 @@
             </a:r>
             <a:r>
               <a:rPr lang="en-US" i="1" dirty="0" smtClean="0"/>
-              <a:t>Consistency, Availability</a:t>
+              <a:t>Consistency, </a:t>
             </a:r>
           </a:p>
           <a:p>
@@ -11081,11 +11095,11 @@
             </a:pPr>
             <a:r>
               <a:rPr lang="en-US" dirty="0" smtClean="0"/>
-              <a:t>	every </a:t>
+              <a:t>	all </a:t>
             </a:r>
             <a:r>
               <a:rPr lang="en-US" dirty="0"/>
-              <a:t>request receives a response about whether it was successful or failed</a:t>
+              <a:t>nodes see the same data at the same time</a:t>
             </a:r>
           </a:p>
         </p:txBody>
@@ -11107,7 +11121,7 @@
           <a:p>
             <a:fld id="{7053BEFA-1175-F644-B249-7D41D72BD3FF}" type="datetime1">
               <a:rPr lang="en-US" smtClean="0"/>
-              <a:t>3/31/14</a:t>
+              <a:t>4/1/14</a:t>
             </a:fld>
             <a:endParaRPr lang="en-US"/>
           </a:p>
@@ -11158,13 +11172,20 @@
     </p:spTree>
     <p:extLst>
       <p:ext uri="{BB962C8B-B14F-4D97-AF65-F5344CB8AC3E}">
-        <p14:creationId xmlns:p14="http://schemas.microsoft.com/office/powerpoint/2010/main" val="4087614446"/>
+        <p14:creationId xmlns:p14="http://schemas.microsoft.com/office/powerpoint/2010/main" val="2961962120"/>
       </p:ext>
     </p:extLst>
   </p:cSld>
   <p:clrMapOvr>
     <a:masterClrMapping/>
   </p:clrMapOvr>
+  <p:timing>
+    <p:tnLst>
+      <p:par>
+        <p:cTn xmlns:p14="http://schemas.microsoft.com/office/powerpoint/2010/main" id="1" dur="indefinite" restart="never" nodeType="tmRoot"/>
+      </p:par>
+    </p:tnLst>
+  </p:timing>
 </p:sld>
 </file>
 
@@ -11232,15 +11253,7 @@
             </a:r>
             <a:r>
               <a:rPr lang="en-US" i="1" dirty="0" smtClean="0"/>
-              <a:t>Consistency, Availability </a:t>
-            </a:r>
-            <a:r>
-              <a:rPr lang="en-US" dirty="0" smtClean="0"/>
-              <a:t>and </a:t>
-            </a:r>
-            <a:r>
-              <a:rPr lang="en-US" i="1" dirty="0" smtClean="0"/>
-              <a:t>Partition Tolerance</a:t>
+              <a:t>Consistency, Availability</a:t>
             </a:r>
           </a:p>
           <a:p>
@@ -11249,43 +11262,12 @@
             </a:pPr>
             <a:r>
               <a:rPr lang="en-US" dirty="0" smtClean="0"/>
-              <a:t>	system continues </a:t>
+              <a:t>	every </a:t>
             </a:r>
             <a:r>
               <a:rPr lang="en-US" dirty="0"/>
-              <a:t>to operate despite arbitrary message loss or failure of part of the </a:t>
-            </a:r>
-            <a:r>
-              <a:rPr lang="en-US" dirty="0" smtClean="0"/>
-              <a:t>system</a:t>
-            </a:r>
-          </a:p>
-          <a:p>
-            <a:pPr marL="0" indent="0">
-              <a:buNone/>
-            </a:pPr>
-            <a:r>
-              <a:rPr lang="en-US" dirty="0"/>
-              <a:t> </a:t>
-            </a:r>
-            <a:r>
-              <a:rPr lang="en-US" dirty="0" smtClean="0"/>
-              <a:t>    relates to latency or e.g. mobile devices partly connected</a:t>
-            </a:r>
-          </a:p>
-          <a:p>
-            <a:pPr marL="0" indent="0">
-              <a:buNone/>
-            </a:pPr>
-            <a:r>
-              <a:rPr lang="en-US" dirty="0"/>
-              <a:t>	</a:t>
-            </a:r>
-            <a:r>
-              <a:rPr lang="en-US" dirty="0" smtClean="0"/>
-              <a:t>Suggests a scope for C&amp;A</a:t>
-            </a:r>
-            <a:endParaRPr lang="en-US" dirty="0"/>
+              <a:t>request receives a response about whether it was successful or failed</a:t>
+            </a:r>
           </a:p>
         </p:txBody>
       </p:sp>
@@ -11306,7 +11288,7 @@
           <a:p>
             <a:fld id="{7053BEFA-1175-F644-B249-7D41D72BD3FF}" type="datetime1">
               <a:rPr lang="en-US" smtClean="0"/>
-              <a:t>3/31/14</a:t>
+              <a:t>4/1/14</a:t>
             </a:fld>
             <a:endParaRPr lang="en-US"/>
           </a:p>
@@ -11357,13 +11339,20 @@
     </p:spTree>
     <p:extLst>
       <p:ext uri="{BB962C8B-B14F-4D97-AF65-F5344CB8AC3E}">
-        <p14:creationId xmlns:p14="http://schemas.microsoft.com/office/powerpoint/2010/main" val="569922965"/>
+        <p14:creationId xmlns:p14="http://schemas.microsoft.com/office/powerpoint/2010/main" val="4087614446"/>
       </p:ext>
     </p:extLst>
   </p:cSld>
   <p:clrMapOvr>
     <a:masterClrMapping/>
   </p:clrMapOvr>
+  <p:timing>
+    <p:tnLst>
+      <p:par>
+        <p:cTn xmlns:p14="http://schemas.microsoft.com/office/powerpoint/2010/main" id="1" dur="indefinite" restart="never" nodeType="tmRoot"/>
+      </p:par>
+    </p:tnLst>
+  </p:timing>
 </p:sld>
 </file>
 
@@ -11439,30 +11428,37 @@
             </a:r>
             <a:r>
               <a:rPr lang="en-US" i="1" dirty="0" smtClean="0"/>
-              <a:t>Partition Tolerance </a:t>
-            </a:r>
-            <a:r>
-              <a:rPr lang="en-US" dirty="0" smtClean="0"/>
-              <a:t>(in the event of a partial failure). </a:t>
+              <a:t>Partition Tolerance</a:t>
             </a:r>
           </a:p>
           <a:p>
             <a:pPr marL="0" indent="0">
               <a:buNone/>
             </a:pPr>
-            <a:endParaRPr lang="en-US" i="1" dirty="0" smtClean="0"/>
+            <a:r>
+              <a:rPr lang="en-US" dirty="0" smtClean="0"/>
+              <a:t>	system continues </a:t>
+            </a:r>
+            <a:r>
+              <a:rPr lang="en-US" dirty="0"/>
+              <a:t>to operate despite arbitrary message loss or failure of part of the </a:t>
+            </a:r>
+            <a:r>
+              <a:rPr lang="en-US" dirty="0" smtClean="0"/>
+              <a:t>system</a:t>
+            </a:r>
           </a:p>
           <a:p>
             <a:pPr marL="0" indent="0">
               <a:buNone/>
             </a:pPr>
             <a:r>
-              <a:rPr lang="en-US" i="1" dirty="0" smtClean="0"/>
-              <a:t>Specific to </a:t>
-            </a:r>
-            <a:r>
-              <a:rPr lang="en-US" dirty="0" smtClean="0"/>
-              <a:t>distribute systems</a:t>
+              <a:rPr lang="en-US" dirty="0"/>
+              <a:t> </a:t>
+            </a:r>
+            <a:r>
+              <a:rPr lang="en-US" dirty="0" smtClean="0"/>
+              <a:t>    relates to latency or e.g. mobile devices partly connected</a:t>
             </a:r>
           </a:p>
           <a:p>
@@ -11471,36 +11467,13 @@
             </a:pPr>
             <a:r>
               <a:rPr lang="en-US" dirty="0"/>
-              <a:t>“The modern CAP goal should be to maximize combinations of consistency and availability that make sense for the specific </a:t>
-            </a:r>
-            <a:r>
-              <a:rPr lang="en-US" dirty="0" smtClean="0"/>
-              <a:t>application”</a:t>
-            </a:r>
-            <a:endParaRPr lang="en-US" sz="1400" dirty="0" smtClean="0"/>
-          </a:p>
-          <a:p>
-            <a:pPr marL="0" indent="0">
-              <a:buNone/>
-            </a:pPr>
-            <a:r>
-              <a:rPr lang="en-US" sz="1400" dirty="0"/>
-              <a:t>http://</a:t>
-            </a:r>
-            <a:r>
-              <a:rPr lang="en-US" sz="1400" dirty="0" err="1"/>
-              <a:t>www.infoq.com</a:t>
-            </a:r>
-            <a:r>
-              <a:rPr lang="en-US" sz="1400" dirty="0"/>
-              <a:t>/articles/cap-twelve-years-later-how-the-rules-have-changed</a:t>
-            </a:r>
-          </a:p>
-          <a:p>
-            <a:pPr marL="0" indent="0">
-              <a:buNone/>
-            </a:pPr>
-            <a:endParaRPr lang="en-US" sz="1400" dirty="0"/>
+              <a:t>	</a:t>
+            </a:r>
+            <a:r>
+              <a:rPr lang="en-US" dirty="0" smtClean="0"/>
+              <a:t>Suggests a scope for C&amp;A</a:t>
+            </a:r>
+            <a:endParaRPr lang="en-US" dirty="0"/>
           </a:p>
         </p:txBody>
       </p:sp>
@@ -11521,7 +11494,7 @@
           <a:p>
             <a:fld id="{7053BEFA-1175-F644-B249-7D41D72BD3FF}" type="datetime1">
               <a:rPr lang="en-US" smtClean="0"/>
-              <a:t>3/31/14</a:t>
+              <a:t>4/1/14</a:t>
             </a:fld>
             <a:endParaRPr lang="en-US"/>
           </a:p>
@@ -11572,7 +11545,7 @@
     </p:spTree>
     <p:extLst>
       <p:ext uri="{BB962C8B-B14F-4D97-AF65-F5344CB8AC3E}">
-        <p14:creationId xmlns:p14="http://schemas.microsoft.com/office/powerpoint/2010/main" val="193346467"/>
+        <p14:creationId xmlns:p14="http://schemas.microsoft.com/office/powerpoint/2010/main" val="569922965"/>
       </p:ext>
     </p:extLst>
   </p:cSld>
@@ -11649,27 +11622,80 @@
             </a:pPr>
             <a:r>
               <a:rPr lang="en-US" dirty="0" smtClean="0"/>
-              <a:t>Don’t be overly simplistic</a:t>
-            </a:r>
+              <a:t>Cannot maximize </a:t>
+            </a:r>
+            <a:r>
+              <a:rPr lang="en-US" i="1" dirty="0" smtClean="0"/>
+              <a:t>Consistency, Availability </a:t>
+            </a:r>
+            <a:r>
+              <a:rPr lang="en-US" dirty="0" smtClean="0"/>
+              <a:t>and </a:t>
+            </a:r>
+            <a:r>
+              <a:rPr lang="en-US" i="1" dirty="0" smtClean="0"/>
+              <a:t>Partition Tolerance </a:t>
+            </a:r>
+            <a:r>
+              <a:rPr lang="en-US" dirty="0" smtClean="0"/>
+              <a:t>(in the event of a partial failure). </a:t>
+            </a:r>
+          </a:p>
+          <a:p>
+            <a:pPr marL="0" indent="0">
+              <a:buNone/>
+            </a:pPr>
+            <a:endParaRPr lang="en-US" i="1" dirty="0" smtClean="0"/>
+          </a:p>
+          <a:p>
+            <a:pPr marL="0" indent="0">
+              <a:buNone/>
+            </a:pPr>
+            <a:r>
+              <a:rPr lang="en-US" i="1" dirty="0" smtClean="0"/>
+              <a:t>Specific to </a:t>
+            </a:r>
+            <a:r>
+              <a:rPr lang="en-US" dirty="0" smtClean="0"/>
+              <a:t>distribute systems</a:t>
+            </a:r>
+          </a:p>
+          <a:p>
+            <a:pPr marL="0" indent="0">
+              <a:buNone/>
+            </a:pPr>
+            <a:r>
+              <a:rPr lang="en-US" dirty="0"/>
+              <a:t>“The modern CAP goal should be to maximize combinations of consistency and availability that make sense for the specific </a:t>
+            </a:r>
+            <a:r>
+              <a:rPr lang="en-US" dirty="0" smtClean="0"/>
+              <a:t>application”</a:t>
+            </a:r>
+            <a:endParaRPr lang="en-US" sz="1400" dirty="0" smtClean="0"/>
+          </a:p>
+          <a:p>
+            <a:pPr marL="0" indent="0">
+              <a:buNone/>
+            </a:pPr>
+            <a:r>
+              <a:rPr lang="en-US" sz="1400" dirty="0"/>
+              <a:t>http://</a:t>
+            </a:r>
+            <a:r>
+              <a:rPr lang="en-US" sz="1400" dirty="0" err="1"/>
+              <a:t>www.infoq.com</a:t>
+            </a:r>
+            <a:r>
+              <a:rPr lang="en-US" sz="1400" dirty="0"/>
+              <a:t>/articles/cap-twelve-years-later-how-the-rules-have-changed</a:t>
+            </a:r>
+          </a:p>
+          <a:p>
+            <a:pPr marL="0" indent="0">
+              <a:buNone/>
+            </a:pPr>
             <a:endParaRPr lang="en-US" sz="1400" dirty="0"/>
-          </a:p>
-          <a:p>
-            <a:r>
-              <a:rPr lang="en-US" sz="2400" dirty="0" smtClean="0"/>
-              <a:t>CAP are continuous, not binary</a:t>
-            </a:r>
-          </a:p>
-          <a:p>
-            <a:r>
-              <a:rPr lang="en-US" sz="2400" dirty="0" smtClean="0"/>
-              <a:t>CAP can be re balanced at each decision</a:t>
-            </a:r>
-          </a:p>
-          <a:p>
-            <a:r>
-              <a:rPr lang="en-US" sz="2400" dirty="0" smtClean="0"/>
-              <a:t>Partitions are rare -&gt; mostly CA are both ok</a:t>
-            </a:r>
           </a:p>
         </p:txBody>
       </p:sp>
@@ -11690,7 +11716,7 @@
           <a:p>
             <a:fld id="{7053BEFA-1175-F644-B249-7D41D72BD3FF}" type="datetime1">
               <a:rPr lang="en-US" smtClean="0"/>
-              <a:t>3/31/14</a:t>
+              <a:t>4/1/14</a:t>
             </a:fld>
             <a:endParaRPr lang="en-US"/>
           </a:p>
@@ -11741,7 +11767,7 @@
     </p:spTree>
     <p:extLst>
       <p:ext uri="{BB962C8B-B14F-4D97-AF65-F5344CB8AC3E}">
-        <p14:creationId xmlns:p14="http://schemas.microsoft.com/office/powerpoint/2010/main" val="1092759622"/>
+        <p14:creationId xmlns:p14="http://schemas.microsoft.com/office/powerpoint/2010/main" val="193346467"/>
       </p:ext>
     </p:extLst>
   </p:cSld>
@@ -11859,7 +11885,7 @@
           <a:p>
             <a:fld id="{7053BEFA-1175-F644-B249-7D41D72BD3FF}" type="datetime1">
               <a:rPr lang="en-US" smtClean="0"/>
-              <a:t>3/31/14</a:t>
+              <a:t>4/1/14</a:t>
             </a:fld>
             <a:endParaRPr lang="en-US"/>
           </a:p>
@@ -11907,74 +11933,10 @@
           </a:p>
         </p:txBody>
       </p:sp>
-      <p:pic>
-        <p:nvPicPr>
-          <p:cNvPr id="8" name="Picture 7"/>
-          <p:cNvPicPr>
-            <a:picLocks noChangeAspect="1"/>
-          </p:cNvPicPr>
-          <p:nvPr/>
-        </p:nvPicPr>
-        <p:blipFill>
-          <a:blip r:embed="rId3"/>
-          <a:stretch>
-            <a:fillRect/>
-          </a:stretch>
-        </p:blipFill>
-        <p:spPr>
-          <a:xfrm>
-            <a:off x="1397000" y="1727200"/>
-            <a:ext cx="6350000" cy="3403600"/>
-          </a:xfrm>
-          <a:prstGeom prst="rect">
-            <a:avLst/>
-          </a:prstGeom>
-        </p:spPr>
-      </p:pic>
-      <p:sp>
-        <p:nvSpPr>
-          <p:cNvPr id="7" name="Rectangle 6"/>
-          <p:cNvSpPr/>
-          <p:nvPr/>
-        </p:nvSpPr>
-        <p:spPr>
-          <a:xfrm>
-            <a:off x="1397000" y="5155973"/>
-            <a:ext cx="6350000" cy="646331"/>
-          </a:xfrm>
-          <a:prstGeom prst="rect">
-            <a:avLst/>
-          </a:prstGeom>
-        </p:spPr>
-        <p:txBody>
-          <a:bodyPr wrap="square">
-            <a:spAutoFit/>
-          </a:bodyPr>
-          <a:lstStyle/>
-          <a:p>
-            <a:r>
-              <a:rPr lang="en-US" dirty="0" smtClean="0"/>
-              <a:t>Figure from: http</a:t>
-            </a:r>
-            <a:r>
-              <a:rPr lang="en-US" dirty="0"/>
-              <a:t>://</a:t>
-            </a:r>
-            <a:r>
-              <a:rPr lang="en-US" dirty="0" err="1"/>
-              <a:t>www.infoq.com</a:t>
-            </a:r>
-            <a:r>
-              <a:rPr lang="en-US" dirty="0"/>
-              <a:t>/articles/cap-twelve-years-later-how-the-rules-have-changed</a:t>
-            </a:r>
-          </a:p>
-        </p:txBody>
-      </p:sp>
     </p:spTree>
     <p:extLst>
       <p:ext uri="{BB962C8B-B14F-4D97-AF65-F5344CB8AC3E}">
-        <p14:creationId xmlns:p14="http://schemas.microsoft.com/office/powerpoint/2010/main" val="1391477406"/>
+        <p14:creationId xmlns:p14="http://schemas.microsoft.com/office/powerpoint/2010/main" val="1092759622"/>
       </p:ext>
     </p:extLst>
   </p:cSld>
@@ -12025,7 +11987,7 @@
           <a:p>
             <a:r>
               <a:rPr lang="en-US" dirty="0" smtClean="0"/>
-              <a:t>Contrast: Typical Relational Database</a:t>
+              <a:t>CAP Theorem</a:t>
             </a:r>
             <a:endParaRPr lang="en-US" dirty="0"/>
           </a:p>
@@ -12050,46 +12012,28 @@
               <a:buNone/>
             </a:pPr>
             <a:r>
-              <a:rPr lang="en-US" b="1" dirty="0" smtClean="0"/>
-              <a:t>A</a:t>
-            </a:r>
-            <a:r>
-              <a:rPr lang="en-US" dirty="0" smtClean="0"/>
-              <a:t>tomicity: Good for CAP too. </a:t>
-            </a:r>
-          </a:p>
-          <a:p>
-            <a:pPr lvl="1"/>
-            <a:r>
-              <a:rPr lang="en-US" dirty="0" smtClean="0"/>
-              <a:t>When </a:t>
-            </a:r>
-            <a:r>
-              <a:rPr lang="en-US" dirty="0"/>
-              <a:t>the focus is availability, both sides of a partition should still use atomic operations. </a:t>
-            </a:r>
-            <a:endParaRPr lang="en-US" dirty="0" smtClean="0"/>
-          </a:p>
-          <a:p>
-            <a:pPr lvl="1"/>
-            <a:r>
-              <a:rPr lang="en-US" dirty="0" smtClean="0"/>
-              <a:t>Also simplify </a:t>
-            </a:r>
-            <a:r>
-              <a:rPr lang="en-US" dirty="0"/>
-              <a:t>recovery.</a:t>
-            </a:r>
-          </a:p>
-          <a:p>
-            <a:pPr marL="0" indent="0">
-              <a:buNone/>
-            </a:pPr>
-            <a:r>
-              <a:rPr lang="en-US" dirty="0" smtClean="0"/>
-              <a:t> </a:t>
-            </a:r>
-            <a:endParaRPr lang="en-US" b="1" dirty="0"/>
+              <a:rPr lang="en-US" dirty="0" smtClean="0"/>
+              <a:t>Don’t be overly simplistic</a:t>
+            </a:r>
+            <a:endParaRPr lang="en-US" sz="1400" dirty="0"/>
+          </a:p>
+          <a:p>
+            <a:r>
+              <a:rPr lang="en-US" sz="2400" dirty="0" smtClean="0"/>
+              <a:t>CAP are continuous, not binary</a:t>
+            </a:r>
+          </a:p>
+          <a:p>
+            <a:r>
+              <a:rPr lang="en-US" sz="2400" dirty="0" smtClean="0"/>
+              <a:t>CAP can be re balanced at each decision</a:t>
+            </a:r>
+          </a:p>
+          <a:p>
+            <a:r>
+              <a:rPr lang="en-US" sz="2400" dirty="0" smtClean="0"/>
+              <a:t>Partitions are rare -&gt; mostly CA are both ok</a:t>
+            </a:r>
           </a:p>
         </p:txBody>
       </p:sp>
@@ -12110,7 +12054,7 @@
           <a:p>
             <a:fld id="{7053BEFA-1175-F644-B249-7D41D72BD3FF}" type="datetime1">
               <a:rPr lang="en-US" smtClean="0"/>
-              <a:t>3/31/14</a:t>
+              <a:t>4/1/14</a:t>
             </a:fld>
             <a:endParaRPr lang="en-US"/>
           </a:p>
@@ -12158,16 +12102,87 @@
           </a:p>
         </p:txBody>
       </p:sp>
+      <p:pic>
+        <p:nvPicPr>
+          <p:cNvPr id="8" name="Picture 7"/>
+          <p:cNvPicPr>
+            <a:picLocks noChangeAspect="1"/>
+          </p:cNvPicPr>
+          <p:nvPr/>
+        </p:nvPicPr>
+        <p:blipFill>
+          <a:blip r:embed="rId3"/>
+          <a:stretch>
+            <a:fillRect/>
+          </a:stretch>
+        </p:blipFill>
+        <p:spPr>
+          <a:xfrm>
+            <a:off x="1397000" y="1727200"/>
+            <a:ext cx="6350000" cy="3403600"/>
+          </a:xfrm>
+          <a:prstGeom prst="rect">
+            <a:avLst/>
+          </a:prstGeom>
+        </p:spPr>
+      </p:pic>
+      <p:sp>
+        <p:nvSpPr>
+          <p:cNvPr id="7" name="Rectangle 6"/>
+          <p:cNvSpPr/>
+          <p:nvPr/>
+        </p:nvSpPr>
+        <p:spPr>
+          <a:xfrm>
+            <a:off x="1397000" y="5155973"/>
+            <a:ext cx="6350000" cy="646331"/>
+          </a:xfrm>
+          <a:prstGeom prst="rect">
+            <a:avLst/>
+          </a:prstGeom>
+        </p:spPr>
+        <p:txBody>
+          <a:bodyPr wrap="square">
+            <a:spAutoFit/>
+          </a:bodyPr>
+          <a:lstStyle/>
+          <a:p>
+            <a:r>
+              <a:rPr lang="en-US" dirty="0" smtClean="0"/>
+              <a:t>Figure from: http</a:t>
+            </a:r>
+            <a:r>
+              <a:rPr lang="en-US" dirty="0"/>
+              <a:t>://</a:t>
+            </a:r>
+            <a:r>
+              <a:rPr lang="en-US" dirty="0" err="1"/>
+              <a:t>www.infoq.com</a:t>
+            </a:r>
+            <a:r>
+              <a:rPr lang="en-US" dirty="0"/>
+              <a:t>/articles/cap-twelve-years-later-how-the-rules-have-changed</a:t>
+            </a:r>
+          </a:p>
+        </p:txBody>
+      </p:sp>
     </p:spTree>
     <p:extLst>
       <p:ext uri="{BB962C8B-B14F-4D97-AF65-F5344CB8AC3E}">
-        <p14:creationId xmlns:p14="http://schemas.microsoft.com/office/powerpoint/2010/main" val="4221546270"/>
+        <p14:creationId xmlns:p14="http://schemas.microsoft.com/office/powerpoint/2010/main" val="1391477406"/>
       </p:ext>
     </p:extLst>
   </p:cSld>
   <p:clrMapOvr>
     <a:masterClrMapping/>
   </p:clrMapOvr>
+  <p:timing>
+    <p:tnLst>
+      <p:par>
+        <p:cTn xmlns:p14="http://schemas.microsoft.com/office/powerpoint/2010/main" id="1" dur="indefinite" restart="never" nodeType="tmRoot"/>
+      </p:par>
+    </p:tnLst>
+  </p:timing>
 </p:sld>
 </file>
 
@@ -12239,55 +12254,37 @@
             </a:r>
           </a:p>
           <a:p>
+            <a:pPr lvl="1"/>
+            <a:r>
+              <a:rPr lang="en-US" dirty="0" smtClean="0"/>
+              <a:t>When </a:t>
+            </a:r>
+            <a:r>
+              <a:rPr lang="en-US" dirty="0"/>
+              <a:t>the focus is availability, both sides of a partition should still use atomic operations. </a:t>
+            </a:r>
+            <a:endParaRPr lang="en-US" dirty="0" smtClean="0"/>
+          </a:p>
+          <a:p>
+            <a:pPr lvl="1"/>
+            <a:r>
+              <a:rPr lang="en-US" dirty="0" smtClean="0"/>
+              <a:t>Also simplify </a:t>
+            </a:r>
+            <a:r>
+              <a:rPr lang="en-US" dirty="0"/>
+              <a:t>recovery.</a:t>
+            </a:r>
+          </a:p>
+          <a:p>
             <a:pPr marL="0" indent="0">
               <a:buNone/>
             </a:pPr>
             <a:r>
-              <a:rPr lang="en-US" b="1" dirty="0" smtClean="0"/>
-              <a:t>C</a:t>
-            </a:r>
-            <a:r>
-              <a:rPr lang="en-US" dirty="0" smtClean="0"/>
-              <a:t>onsistency: Different in CAP</a:t>
-            </a:r>
-          </a:p>
-          <a:p>
-            <a:pPr lvl="1"/>
-            <a:r>
-              <a:rPr lang="en-US" dirty="0" smtClean="0"/>
-              <a:t>Relational:  </a:t>
-            </a:r>
-            <a:r>
-              <a:rPr lang="en-US" dirty="0"/>
-              <a:t>a transaction pre-serves all the database rules, such as unique keys</a:t>
-            </a:r>
-            <a:r>
-              <a:rPr lang="en-US" dirty="0" smtClean="0"/>
-              <a:t>.</a:t>
-            </a:r>
-          </a:p>
-          <a:p>
-            <a:pPr lvl="1"/>
-            <a:r>
-              <a:rPr lang="en-US" dirty="0" smtClean="0"/>
-              <a:t>CAP: </a:t>
-            </a:r>
-            <a:r>
-              <a:rPr lang="en-US" dirty="0"/>
-              <a:t>single copy consistency, a strict subset of ACID </a:t>
-            </a:r>
-            <a:r>
-              <a:rPr lang="en-US" dirty="0" smtClean="0"/>
-              <a:t>consistency (otherwise cannot be maintained across partitions)</a:t>
-            </a:r>
-          </a:p>
-          <a:p>
-            <a:pPr lvl="1"/>
-            <a:r>
-              <a:rPr lang="en-US" dirty="0" smtClean="0"/>
-              <a:t>Partition recovery restores ACID consistency</a:t>
-            </a:r>
-            <a:endParaRPr lang="en-US" dirty="0"/>
+              <a:rPr lang="en-US" dirty="0" smtClean="0"/>
+              <a:t> </a:t>
+            </a:r>
+            <a:endParaRPr lang="en-US" b="1" dirty="0"/>
           </a:p>
         </p:txBody>
       </p:sp>
@@ -12308,7 +12305,7 @@
           <a:p>
             <a:fld id="{7053BEFA-1175-F644-B249-7D41D72BD3FF}" type="datetime1">
               <a:rPr lang="en-US" smtClean="0"/>
-              <a:t>3/31/14</a:t>
+              <a:t>4/1/14</a:t>
             </a:fld>
             <a:endParaRPr lang="en-US"/>
           </a:p>
@@ -12359,13 +12356,20 @@
     </p:spTree>
     <p:extLst>
       <p:ext uri="{BB962C8B-B14F-4D97-AF65-F5344CB8AC3E}">
-        <p14:creationId xmlns:p14="http://schemas.microsoft.com/office/powerpoint/2010/main" val="2169263392"/>
+        <p14:creationId xmlns:p14="http://schemas.microsoft.com/office/powerpoint/2010/main" val="4221546270"/>
       </p:ext>
     </p:extLst>
   </p:cSld>
   <p:clrMapOvr>
     <a:masterClrMapping/>
   </p:clrMapOvr>
+  <p:timing>
+    <p:tnLst>
+      <p:par>
+        <p:cTn xmlns:p14="http://schemas.microsoft.com/office/powerpoint/2010/main" id="1" dur="indefinite" restart="never" nodeType="tmRoot"/>
+      </p:par>
+    </p:tnLst>
+  </p:timing>
 </p:sld>
 </file>
 
@@ -12530,7 +12534,7 @@
           <a:p>
             <a:fld id="{7053BEFA-1175-F644-B249-7D41D72BD3FF}" type="datetime1">
               <a:rPr lang="en-US" smtClean="0"/>
-              <a:t>3/31/14</a:t>
+              <a:t>4/1/14</a:t>
             </a:fld>
             <a:endParaRPr lang="en-US"/>
           </a:p>
@@ -12588,6 +12592,13 @@
   <p:clrMapOvr>
     <a:masterClrMapping/>
   </p:clrMapOvr>
+  <p:timing>
+    <p:tnLst>
+      <p:par>
+        <p:cTn xmlns:p14="http://schemas.microsoft.com/office/powerpoint/2010/main" id="1" dur="indefinite" restart="never" nodeType="tmRoot"/>
+      </p:par>
+    </p:tnLst>
+  </p:timing>
 </p:sld>
 </file>
 
@@ -12672,40 +12683,42 @@
             </a:r>
           </a:p>
           <a:p>
-            <a:pPr marL="0" indent="0">
-              <a:buNone/>
-            </a:pPr>
-            <a:r>
-              <a:rPr lang="en-US" b="1" dirty="0" smtClean="0"/>
-              <a:t>I</a:t>
-            </a:r>
-            <a:r>
-              <a:rPr lang="en-US" dirty="0" smtClean="0"/>
-              <a:t>solation: core of CAP theorem</a:t>
-            </a:r>
-          </a:p>
-          <a:p>
             <a:pPr lvl="1"/>
             <a:r>
               <a:rPr lang="en-US" dirty="0" smtClean="0"/>
-              <a:t>Reduces functionality during a partition because </a:t>
-            </a:r>
-            <a:r>
-              <a:rPr lang="en-US" dirty="0" err="1" smtClean="0"/>
-              <a:t>serializability</a:t>
-            </a:r>
-            <a:r>
-              <a:rPr lang="en-US" dirty="0" smtClean="0"/>
-              <a:t> requires communication. </a:t>
+              <a:t>Relational:  </a:t>
+            </a:r>
+            <a:r>
+              <a:rPr lang="en-US" dirty="0"/>
+              <a:t>a transaction pre-serves all the database rules, such as unique keys</a:t>
+            </a:r>
+            <a:r>
+              <a:rPr lang="en-US" dirty="0" smtClean="0"/>
+              <a:t>.</a:t>
+            </a:r>
+          </a:p>
+          <a:p>
+            <a:pPr lvl="1"/>
+            <a:r>
+              <a:rPr lang="en-US" dirty="0" smtClean="0"/>
+              <a:t>CAP: </a:t>
+            </a:r>
+            <a:r>
+              <a:rPr lang="en-US" dirty="0"/>
+              <a:t>single copy consistency, a strict subset of ACID </a:t>
+            </a:r>
+            <a:r>
+              <a:rPr lang="en-US" dirty="0" smtClean="0"/>
+              <a:t>consistency (otherwise cannot be maintained across partitions)</a:t>
+            </a:r>
+          </a:p>
+          <a:p>
+            <a:pPr lvl="1"/>
+            <a:r>
+              <a:rPr lang="en-US" dirty="0" smtClean="0"/>
+              <a:t>Partition recovery restores ACID consistency</a:t>
             </a:r>
             <a:endParaRPr lang="en-US" dirty="0"/>
-          </a:p>
-          <a:p>
-            <a:pPr lvl="1"/>
-            <a:r>
-              <a:rPr lang="en-US" dirty="0" smtClean="0"/>
-              <a:t>instead CAP can weaken correctness and compensate during recovery</a:t>
-            </a:r>
           </a:p>
         </p:txBody>
       </p:sp>
@@ -12726,7 +12739,7 @@
           <a:p>
             <a:fld id="{7053BEFA-1175-F644-B249-7D41D72BD3FF}" type="datetime1">
               <a:rPr lang="en-US" smtClean="0"/>
-              <a:t>3/31/14</a:t>
+              <a:t>4/1/14</a:t>
             </a:fld>
             <a:endParaRPr lang="en-US"/>
           </a:p>
@@ -12777,13 +12790,20 @@
     </p:spTree>
     <p:extLst>
       <p:ext uri="{BB962C8B-B14F-4D97-AF65-F5344CB8AC3E}">
-        <p14:creationId xmlns:p14="http://schemas.microsoft.com/office/powerpoint/2010/main" val="1588897092"/>
+        <p14:creationId xmlns:p14="http://schemas.microsoft.com/office/powerpoint/2010/main" val="2169263392"/>
       </p:ext>
     </p:extLst>
   </p:cSld>
   <p:clrMapOvr>
     <a:masterClrMapping/>
   </p:clrMapOvr>
+  <p:timing>
+    <p:tnLst>
+      <p:par>
+        <p:cTn xmlns:p14="http://schemas.microsoft.com/office/powerpoint/2010/main" id="1" dur="indefinite" restart="never" nodeType="tmRoot"/>
+      </p:par>
+    </p:tnLst>
+  </p:timing>
 </p:sld>
 </file>
 
@@ -12881,18 +12901,27 @@
             </a:r>
           </a:p>
           <a:p>
-            <a:pPr marL="0" indent="0">
-              <a:buNone/>
-            </a:pPr>
-            <a:r>
-              <a:rPr lang="en-US" b="1" dirty="0" smtClean="0"/>
-              <a:t>D</a:t>
-            </a:r>
-            <a:r>
-              <a:rPr lang="en-US" dirty="0" smtClean="0"/>
-              <a:t>urability: Good for CAP too (but can be expensive) </a:t>
-            </a:r>
-            <a:endParaRPr lang="en-US" b="1" dirty="0" smtClean="0"/>
+            <a:pPr lvl="1"/>
+            <a:r>
+              <a:rPr lang="en-US" dirty="0" smtClean="0"/>
+              <a:t>Reduces functionality during a partition because </a:t>
+            </a:r>
+            <a:r>
+              <a:rPr lang="en-US" dirty="0" err="1" smtClean="0"/>
+              <a:t>serializability</a:t>
+            </a:r>
+            <a:r>
+              <a:rPr lang="en-US" dirty="0" smtClean="0"/>
+              <a:t> requires communication. </a:t>
+            </a:r>
+            <a:endParaRPr lang="en-US" dirty="0"/>
+          </a:p>
+          <a:p>
+            <a:pPr lvl="1"/>
+            <a:r>
+              <a:rPr lang="en-US" dirty="0" smtClean="0"/>
+              <a:t>instead CAP can weaken correctness and compensate during recovery</a:t>
+            </a:r>
           </a:p>
         </p:txBody>
       </p:sp>
@@ -12913,7 +12942,7 @@
           <a:p>
             <a:fld id="{7053BEFA-1175-F644-B249-7D41D72BD3FF}" type="datetime1">
               <a:rPr lang="en-US" smtClean="0"/>
-              <a:t>3/31/14</a:t>
+              <a:t>4/1/14</a:t>
             </a:fld>
             <a:endParaRPr lang="en-US"/>
           </a:p>
@@ -12964,13 +12993,20 @@
     </p:spTree>
     <p:extLst>
       <p:ext uri="{BB962C8B-B14F-4D97-AF65-F5344CB8AC3E}">
-        <p14:creationId xmlns:p14="http://schemas.microsoft.com/office/powerpoint/2010/main" val="2580187685"/>
+        <p14:creationId xmlns:p14="http://schemas.microsoft.com/office/powerpoint/2010/main" val="1588897092"/>
       </p:ext>
     </p:extLst>
   </p:cSld>
   <p:clrMapOvr>
     <a:masterClrMapping/>
   </p:clrMapOvr>
+  <p:timing>
+    <p:tnLst>
+      <p:par>
+        <p:cTn xmlns:p14="http://schemas.microsoft.com/office/powerpoint/2010/main" id="1" dur="indefinite" restart="never" nodeType="tmRoot"/>
+      </p:par>
+    </p:tnLst>
+  </p:timing>
 </p:sld>
 </file>
 
@@ -13008,7 +13044,7 @@
           <a:p>
             <a:r>
               <a:rPr lang="en-US" dirty="0" smtClean="0"/>
-              <a:t>Real Implications of CAP</a:t>
+              <a:t>Contrast: Typical Relational Database</a:t>
             </a:r>
             <a:endParaRPr lang="en-US" dirty="0"/>
           </a:p>
@@ -13030,103 +13066,56 @@
           <a:lstStyle/>
           <a:p>
             <a:pPr marL="0" indent="0">
-              <a:spcAft>
-                <a:spcPts val="0"/>
-              </a:spcAft>
-              <a:buClrTx/>
               <a:buNone/>
-              <a:defRPr/>
             </a:pPr>
             <a:r>
-              <a:rPr lang="en-US" dirty="0" smtClean="0"/>
-              <a:t>Always support Partition Tolerance (but know they are rare)</a:t>
+              <a:rPr lang="en-US" b="1" dirty="0" smtClean="0"/>
+              <a:t>A</a:t>
+            </a:r>
+            <a:r>
+              <a:rPr lang="en-US" dirty="0" smtClean="0"/>
+              <a:t>tomicity: Good for CAP too. </a:t>
             </a:r>
           </a:p>
           <a:p>
             <a:pPr marL="0" indent="0">
-              <a:spcAft>
-                <a:spcPts val="0"/>
-              </a:spcAft>
-              <a:buClrTx/>
               <a:buNone/>
-              <a:defRPr/>
             </a:pPr>
             <a:r>
-              <a:rPr lang="en-US" dirty="0" smtClean="0"/>
-              <a:t>Run ACID </a:t>
-            </a:r>
-            <a:r>
-              <a:rPr lang="en-US" dirty="0"/>
-              <a:t>transactions on each side of a partition </a:t>
-            </a:r>
-            <a:endParaRPr lang="en-US" dirty="0" smtClean="0"/>
-          </a:p>
-          <a:p>
-            <a:pPr lvl="1">
-              <a:spcAft>
-                <a:spcPts val="0"/>
-              </a:spcAft>
-              <a:buClrTx/>
-              <a:defRPr/>
+              <a:rPr lang="en-US" b="1" dirty="0" smtClean="0"/>
+              <a:t>C</a:t>
+            </a:r>
+            <a:r>
+              <a:rPr lang="en-US" dirty="0" smtClean="0"/>
+              <a:t>onsistency: Different in CAP</a:t>
+            </a:r>
+          </a:p>
+          <a:p>
+            <a:pPr marL="0" indent="0">
+              <a:buNone/>
             </a:pPr>
             <a:r>
-              <a:rPr lang="en-US" dirty="0" smtClean="0"/>
-              <a:t>makes </a:t>
-            </a:r>
-            <a:r>
-              <a:rPr lang="en-US" dirty="0"/>
-              <a:t>recovery </a:t>
-            </a:r>
-            <a:r>
-              <a:rPr lang="en-US" dirty="0" smtClean="0"/>
-              <a:t>easier</a:t>
-            </a:r>
-          </a:p>
-          <a:p>
-            <a:pPr lvl="1">
-              <a:spcAft>
-                <a:spcPts val="0"/>
-              </a:spcAft>
-              <a:buClrTx/>
-              <a:defRPr/>
+              <a:rPr lang="en-US" b="1" dirty="0" smtClean="0"/>
+              <a:t>I</a:t>
+            </a:r>
+            <a:r>
+              <a:rPr lang="en-US" dirty="0" smtClean="0"/>
+              <a:t>solation: core of CAP theorem</a:t>
+            </a:r>
+          </a:p>
+          <a:p>
+            <a:pPr marL="0" indent="0">
+              <a:buNone/>
             </a:pPr>
             <a:r>
-              <a:rPr lang="en-US" dirty="0" smtClean="0"/>
-              <a:t>enables </a:t>
-            </a:r>
-            <a:r>
-              <a:rPr lang="en-US" dirty="0"/>
-              <a:t>a framework for compensating transactions that can be used for recovery from a partition.</a:t>
-            </a:r>
-          </a:p>
-          <a:p>
-            <a:pPr marL="0" indent="0">
-              <a:spcAft>
-                <a:spcPts val="0"/>
-              </a:spcAft>
-              <a:buClrTx/>
-              <a:buNone/>
-              <a:defRPr/>
-            </a:pPr>
-            <a:r>
-              <a:rPr lang="en-US" dirty="0" smtClean="0"/>
-              <a:t>Support BASE (Basically </a:t>
-            </a:r>
-            <a:r>
-              <a:rPr lang="en-US" dirty="0"/>
-              <a:t>Available, Soft state, Eventually </a:t>
-            </a:r>
-            <a:r>
-              <a:rPr lang="en-US" dirty="0" smtClean="0"/>
-              <a:t>consistent) during partitions</a:t>
-            </a:r>
-            <a:endParaRPr lang="en-US" dirty="0"/>
-          </a:p>
-          <a:p>
-            <a:endParaRPr lang="en-US" dirty="0"/>
-          </a:p>
-          <a:p>
-            <a:endParaRPr lang="en-US" dirty="0"/>
+              <a:rPr lang="en-US" b="1" dirty="0" smtClean="0"/>
+              <a:t>D</a:t>
+            </a:r>
+            <a:r>
+              <a:rPr lang="en-US" dirty="0" smtClean="0"/>
+              <a:t>urability: Good for CAP too (but can be expensive) </a:t>
+            </a:r>
+            <a:endParaRPr lang="en-US" b="1" dirty="0" smtClean="0"/>
           </a:p>
         </p:txBody>
       </p:sp>
@@ -13147,7 +13136,7 @@
           <a:p>
             <a:fld id="{7053BEFA-1175-F644-B249-7D41D72BD3FF}" type="datetime1">
               <a:rPr lang="en-US" smtClean="0"/>
-              <a:t>3/31/14</a:t>
+              <a:t>4/1/14</a:t>
             </a:fld>
             <a:endParaRPr lang="en-US"/>
           </a:p>
@@ -13198,13 +13187,20 @@
     </p:spTree>
     <p:extLst>
       <p:ext uri="{BB962C8B-B14F-4D97-AF65-F5344CB8AC3E}">
-        <p14:creationId xmlns:p14="http://schemas.microsoft.com/office/powerpoint/2010/main" val="2945301424"/>
+        <p14:creationId xmlns:p14="http://schemas.microsoft.com/office/powerpoint/2010/main" val="2580187685"/>
       </p:ext>
     </p:extLst>
   </p:cSld>
   <p:clrMapOvr>
     <a:masterClrMapping/>
   </p:clrMapOvr>
+  <p:timing>
+    <p:tnLst>
+      <p:par>
+        <p:cTn xmlns:p14="http://schemas.microsoft.com/office/powerpoint/2010/main" id="1" dur="indefinite" restart="never" nodeType="tmRoot"/>
+      </p:par>
+    </p:tnLst>
+  </p:timing>
 </p:sld>
 </file>
 
@@ -13242,6 +13238,247 @@
           <a:p>
             <a:r>
               <a:rPr lang="en-US" dirty="0" smtClean="0"/>
+              <a:t>Real Implications of CAP</a:t>
+            </a:r>
+            <a:endParaRPr lang="en-US" dirty="0"/>
+          </a:p>
+        </p:txBody>
+      </p:sp>
+      <p:sp>
+        <p:nvSpPr>
+          <p:cNvPr id="3" name="Content Placeholder 2"/>
+          <p:cNvSpPr>
+            <a:spLocks noGrp="1"/>
+          </p:cNvSpPr>
+          <p:nvPr>
+            <p:ph idx="1"/>
+          </p:nvPr>
+        </p:nvSpPr>
+        <p:spPr/>
+        <p:txBody>
+          <a:bodyPr/>
+          <a:lstStyle/>
+          <a:p>
+            <a:pPr marL="0" indent="0">
+              <a:spcAft>
+                <a:spcPts val="0"/>
+              </a:spcAft>
+              <a:buClrTx/>
+              <a:buNone/>
+              <a:defRPr/>
+            </a:pPr>
+            <a:r>
+              <a:rPr lang="en-US" dirty="0" smtClean="0"/>
+              <a:t>Always support Partition Tolerance (but know they are rare)</a:t>
+            </a:r>
+          </a:p>
+          <a:p>
+            <a:pPr marL="0" indent="0">
+              <a:spcAft>
+                <a:spcPts val="0"/>
+              </a:spcAft>
+              <a:buClrTx/>
+              <a:buNone/>
+              <a:defRPr/>
+            </a:pPr>
+            <a:r>
+              <a:rPr lang="en-US" dirty="0" smtClean="0"/>
+              <a:t>Run ACID </a:t>
+            </a:r>
+            <a:r>
+              <a:rPr lang="en-US" dirty="0"/>
+              <a:t>transactions on each side of a partition </a:t>
+            </a:r>
+            <a:endParaRPr lang="en-US" dirty="0" smtClean="0"/>
+          </a:p>
+          <a:p>
+            <a:pPr lvl="1">
+              <a:spcAft>
+                <a:spcPts val="0"/>
+              </a:spcAft>
+              <a:buClrTx/>
+              <a:defRPr/>
+            </a:pPr>
+            <a:r>
+              <a:rPr lang="en-US" dirty="0" smtClean="0"/>
+              <a:t>makes </a:t>
+            </a:r>
+            <a:r>
+              <a:rPr lang="en-US" dirty="0"/>
+              <a:t>recovery </a:t>
+            </a:r>
+            <a:r>
+              <a:rPr lang="en-US" dirty="0" smtClean="0"/>
+              <a:t>easier</a:t>
+            </a:r>
+          </a:p>
+          <a:p>
+            <a:pPr lvl="1">
+              <a:spcAft>
+                <a:spcPts val="0"/>
+              </a:spcAft>
+              <a:buClrTx/>
+              <a:defRPr/>
+            </a:pPr>
+            <a:r>
+              <a:rPr lang="en-US" dirty="0" smtClean="0"/>
+              <a:t>enables </a:t>
+            </a:r>
+            <a:r>
+              <a:rPr lang="en-US" dirty="0"/>
+              <a:t>a framework for compensating transactions that can be used for recovery from a partition.</a:t>
+            </a:r>
+          </a:p>
+          <a:p>
+            <a:pPr marL="0" indent="0">
+              <a:spcAft>
+                <a:spcPts val="0"/>
+              </a:spcAft>
+              <a:buClrTx/>
+              <a:buNone/>
+              <a:defRPr/>
+            </a:pPr>
+            <a:r>
+              <a:rPr lang="en-US" dirty="0" smtClean="0"/>
+              <a:t>Support BASE (Basically </a:t>
+            </a:r>
+            <a:r>
+              <a:rPr lang="en-US" dirty="0"/>
+              <a:t>Available, Soft state, Eventually </a:t>
+            </a:r>
+            <a:r>
+              <a:rPr lang="en-US" dirty="0" smtClean="0"/>
+              <a:t>consistent) during partitions</a:t>
+            </a:r>
+            <a:endParaRPr lang="en-US" dirty="0"/>
+          </a:p>
+          <a:p>
+            <a:endParaRPr lang="en-US" dirty="0"/>
+          </a:p>
+          <a:p>
+            <a:endParaRPr lang="en-US" dirty="0"/>
+          </a:p>
+        </p:txBody>
+      </p:sp>
+      <p:sp>
+        <p:nvSpPr>
+          <p:cNvPr id="4" name="Date Placeholder 3"/>
+          <p:cNvSpPr>
+            <a:spLocks noGrp="1"/>
+          </p:cNvSpPr>
+          <p:nvPr>
+            <p:ph type="dt" sz="half" idx="10"/>
+          </p:nvPr>
+        </p:nvSpPr>
+        <p:spPr/>
+        <p:txBody>
+          <a:bodyPr/>
+          <a:lstStyle/>
+          <a:p>
+            <a:fld id="{7053BEFA-1175-F644-B249-7D41D72BD3FF}" type="datetime1">
+              <a:rPr lang="en-US" smtClean="0"/>
+              <a:t>4/1/14</a:t>
+            </a:fld>
+            <a:endParaRPr lang="en-US"/>
+          </a:p>
+        </p:txBody>
+      </p:sp>
+      <p:sp>
+        <p:nvSpPr>
+          <p:cNvPr id="5" name="Footer Placeholder 4"/>
+          <p:cNvSpPr>
+            <a:spLocks noGrp="1"/>
+          </p:cNvSpPr>
+          <p:nvPr>
+            <p:ph type="ftr" sz="quarter" idx="11"/>
+          </p:nvPr>
+        </p:nvSpPr>
+        <p:spPr/>
+        <p:txBody>
+          <a:bodyPr/>
+          <a:lstStyle/>
+          <a:p>
+            <a:endParaRPr lang="en-US" dirty="0"/>
+          </a:p>
+        </p:txBody>
+      </p:sp>
+      <p:sp>
+        <p:nvSpPr>
+          <p:cNvPr id="6" name="Slide Number Placeholder 5"/>
+          <p:cNvSpPr>
+            <a:spLocks noGrp="1"/>
+          </p:cNvSpPr>
+          <p:nvPr>
+            <p:ph type="sldNum" sz="quarter" idx="12"/>
+          </p:nvPr>
+        </p:nvSpPr>
+        <p:spPr/>
+        <p:txBody>
+          <a:bodyPr/>
+          <a:lstStyle/>
+          <a:p>
+            <a:fld id="{17E276FA-8F89-B34D-A726-BE3FA1F8DD97}" type="slidenum">
+              <a:rPr lang="en-US" smtClean="0"/>
+              <a:t>23</a:t>
+            </a:fld>
+            <a:endParaRPr lang="en-US" dirty="0"/>
+          </a:p>
+        </p:txBody>
+      </p:sp>
+    </p:spTree>
+    <p:extLst>
+      <p:ext uri="{BB962C8B-B14F-4D97-AF65-F5344CB8AC3E}">
+        <p14:creationId xmlns:p14="http://schemas.microsoft.com/office/powerpoint/2010/main" val="2945301424"/>
+      </p:ext>
+    </p:extLst>
+  </p:cSld>
+  <p:clrMapOvr>
+    <a:masterClrMapping/>
+  </p:clrMapOvr>
+  <p:timing>
+    <p:tnLst>
+      <p:par>
+        <p:cTn xmlns:p14="http://schemas.microsoft.com/office/powerpoint/2010/main" id="1" dur="indefinite" restart="never" nodeType="tmRoot"/>
+      </p:par>
+    </p:tnLst>
+  </p:timing>
+</p:sld>
+</file>
+
+<file path=ppt/slides/slide24.xml><?xml version="1.0" encoding="utf-8"?>
+<p:sld xmlns:a="http://schemas.openxmlformats.org/drawingml/2006/main" xmlns:r="http://schemas.openxmlformats.org/officeDocument/2006/relationships" xmlns:p="http://schemas.openxmlformats.org/presentationml/2006/main">
+  <p:cSld>
+    <p:spTree>
+      <p:nvGrpSpPr>
+        <p:cNvPr id="1" name=""/>
+        <p:cNvGrpSpPr/>
+        <p:nvPr/>
+      </p:nvGrpSpPr>
+      <p:grpSpPr>
+        <a:xfrm>
+          <a:off x="0" y="0"/>
+          <a:ext cx="0" cy="0"/>
+          <a:chOff x="0" y="0"/>
+          <a:chExt cx="0" cy="0"/>
+        </a:xfrm>
+      </p:grpSpPr>
+      <p:sp>
+        <p:nvSpPr>
+          <p:cNvPr id="2" name="Title 1"/>
+          <p:cNvSpPr>
+            <a:spLocks noGrp="1"/>
+          </p:cNvSpPr>
+          <p:nvPr>
+            <p:ph type="title"/>
+          </p:nvPr>
+        </p:nvSpPr>
+        <p:spPr/>
+        <p:txBody>
+          <a:bodyPr/>
+          <a:lstStyle/>
+          <a:p>
+            <a:r>
+              <a:rPr lang="en-US" dirty="0" smtClean="0"/>
               <a:t>Goals for today</a:t>
             </a:r>
             <a:endParaRPr lang="en-US" dirty="0"/>
@@ -13369,7 +13606,7 @@
           <a:p>
             <a:fld id="{7053BEFA-1175-F644-B249-7D41D72BD3FF}" type="datetime1">
               <a:rPr lang="en-US" smtClean="0"/>
-              <a:t>3/31/14</a:t>
+              <a:t>4/1/14</a:t>
             </a:fld>
             <a:endParaRPr lang="en-US"/>
           </a:p>
@@ -13411,7 +13648,7 @@
           <a:p>
             <a:fld id="{17E276FA-8F89-B34D-A726-BE3FA1F8DD97}" type="slidenum">
               <a:rPr lang="en-US" smtClean="0"/>
-              <a:t>23</a:t>
+              <a:t>24</a:t>
             </a:fld>
             <a:endParaRPr lang="en-US" dirty="0"/>
           </a:p>
@@ -13427,10 +13664,17 @@
   <p:clrMapOvr>
     <a:masterClrMapping/>
   </p:clrMapOvr>
+  <p:timing>
+    <p:tnLst>
+      <p:par>
+        <p:cTn xmlns:p14="http://schemas.microsoft.com/office/powerpoint/2010/main" id="1" dur="indefinite" restart="never" nodeType="tmRoot"/>
+      </p:par>
+    </p:tnLst>
+  </p:timing>
 </p:sld>
 </file>
 
-<file path=ppt/slides/slide24.xml><?xml version="1.0" encoding="utf-8"?>
+<file path=ppt/slides/slide25.xml><?xml version="1.0" encoding="utf-8"?>
 <p:sld xmlns:a="http://schemas.openxmlformats.org/drawingml/2006/main" xmlns:r="http://schemas.openxmlformats.org/officeDocument/2006/relationships" xmlns:p="http://schemas.openxmlformats.org/presentationml/2006/main">
   <p:cSld>
     <p:spTree>
@@ -16937,7 +17181,7 @@
           <a:graphicData uri="http://schemas.openxmlformats.org/presentationml/2006/ole">
             <mc:AlternateContent xmlns:mc="http://schemas.openxmlformats.org/markup-compatibility/2006">
               <mc:Choice xmlns:v="urn:schemas-microsoft-com:vml" Requires="v">
-                <p:oleObj spid="_x0000_s684335" name="Equation" r:id="rId4" imgW="787400" imgH="215900" progId="Equation.3">
+                <p:oleObj spid="_x0000_s684348" name="Equation" r:id="rId4" imgW="787400" imgH="215900" progId="Equation.3">
                   <p:embed/>
                 </p:oleObj>
               </mc:Choice>
@@ -17936,7 +18180,7 @@
           <a:graphicData uri="http://schemas.openxmlformats.org/presentationml/2006/ole">
             <mc:AlternateContent xmlns:mc="http://schemas.openxmlformats.org/markup-compatibility/2006">
               <mc:Choice xmlns:v="urn:schemas-microsoft-com:vml" Requires="v">
-                <p:oleObj spid="_x0000_s684336" name="Equation" r:id="rId6" imgW="152400" imgH="215900" progId="Equation.3">
+                <p:oleObj spid="_x0000_s684349" name="Equation" r:id="rId6" imgW="152400" imgH="215900" progId="Equation.3">
                   <p:embed/>
                 </p:oleObj>
               </mc:Choice>
@@ -18151,7 +18395,7 @@
 </p:sld>
 </file>
 
-<file path=ppt/slides/slide25.xml><?xml version="1.0" encoding="utf-8"?>
+<file path=ppt/slides/slide26.xml><?xml version="1.0" encoding="utf-8"?>
 <p:sld xmlns:a="http://schemas.openxmlformats.org/drawingml/2006/main" xmlns:r="http://schemas.openxmlformats.org/officeDocument/2006/relationships" xmlns:p="http://schemas.openxmlformats.org/presentationml/2006/main">
   <p:cSld>
     <p:spTree>
@@ -18354,155 +18598,6 @@
   <p:clrMapOvr>
     <a:masterClrMapping/>
   </p:clrMapOvr>
-</p:sld>
-</file>
-
-<file path=ppt/slides/slide26.xml><?xml version="1.0" encoding="utf-8"?>
-<p:sld xmlns:a="http://schemas.openxmlformats.org/drawingml/2006/main" xmlns:r="http://schemas.openxmlformats.org/officeDocument/2006/relationships" xmlns:p="http://schemas.openxmlformats.org/presentationml/2006/main">
-  <p:cSld>
-    <p:spTree>
-      <p:nvGrpSpPr>
-        <p:cNvPr id="1" name=""/>
-        <p:cNvGrpSpPr/>
-        <p:nvPr/>
-      </p:nvGrpSpPr>
-      <p:grpSpPr>
-        <a:xfrm>
-          <a:off x="0" y="0"/>
-          <a:ext cx="0" cy="0"/>
-          <a:chOff x="0" y="0"/>
-          <a:chExt cx="0" cy="0"/>
-        </a:xfrm>
-      </p:grpSpPr>
-      <p:sp>
-        <p:nvSpPr>
-          <p:cNvPr id="261122" name="Rectangle 2"/>
-          <p:cNvSpPr>
-            <a:spLocks noGrp="1" noChangeArrowheads="1"/>
-          </p:cNvSpPr>
-          <p:nvPr>
-            <p:ph type="title"/>
-          </p:nvPr>
-        </p:nvSpPr>
-        <p:spPr/>
-        <p:txBody>
-          <a:bodyPr/>
-          <a:lstStyle/>
-          <a:p>
-            <a:r>
-              <a:rPr lang="x-none" sz="3200" dirty="0" smtClean="0"/>
-              <a:t>Goal of Logistic Regression</a:t>
-            </a:r>
-            <a:endParaRPr lang="en-US" sz="3200" dirty="0"/>
-          </a:p>
-        </p:txBody>
-      </p:sp>
-      <p:sp>
-        <p:nvSpPr>
-          <p:cNvPr id="261123" name="Rectangle 3"/>
-          <p:cNvSpPr>
-            <a:spLocks noGrp="1" noChangeArrowheads="1"/>
-          </p:cNvSpPr>
-          <p:nvPr>
-            <p:ph idx="1"/>
-          </p:nvPr>
-        </p:nvSpPr>
-        <p:spPr/>
-        <p:txBody>
-          <a:bodyPr/>
-          <a:lstStyle/>
-          <a:p>
-            <a:pPr marL="0" indent="0">
-              <a:buNone/>
-            </a:pPr>
-            <a:r>
-              <a:rPr lang="en-US" dirty="0" smtClean="0"/>
-              <a:t>Key </a:t>
-            </a:r>
-            <a:r>
-              <a:rPr lang="en-US" dirty="0"/>
-              <a:t>idea: instead of predicting a number in R, predict the </a:t>
-            </a:r>
-            <a:r>
-              <a:rPr lang="en-US" i="1" dirty="0" smtClean="0"/>
-              <a:t>probability p </a:t>
-            </a:r>
-            <a:r>
-              <a:rPr lang="en-US" i="1" dirty="0"/>
-              <a:t>of a class </a:t>
-            </a:r>
-            <a:r>
-              <a:rPr lang="en-US" i="1" dirty="0" smtClean="0"/>
-              <a:t>label</a:t>
-            </a:r>
-            <a:r>
-              <a:rPr lang="en-US" dirty="0"/>
-              <a:t> </a:t>
-            </a:r>
-            <a:r>
-              <a:rPr lang="en-US" dirty="0" smtClean="0"/>
-              <a:t>given a set of features </a:t>
-            </a:r>
-            <a:r>
-              <a:rPr lang="en-US" i="1" dirty="0" smtClean="0"/>
-              <a:t>X</a:t>
-            </a:r>
-            <a:endParaRPr lang="en-US" dirty="0"/>
-          </a:p>
-          <a:p>
-            <a:pPr marL="0" indent="0">
-              <a:buNone/>
-            </a:pPr>
-            <a:r>
-              <a:rPr lang="en-US" sz="2400" dirty="0"/>
-              <a:t>  p+ = P(class is </a:t>
-            </a:r>
-            <a:r>
-              <a:rPr lang="en-US" sz="2400" dirty="0" smtClean="0"/>
-              <a:t>positive | X)</a:t>
-            </a:r>
-            <a:r>
-              <a:rPr lang="en-US" sz="2400" dirty="0"/>
-              <a:t/>
-            </a:r>
-            <a:br>
-              <a:rPr lang="en-US" sz="2400" dirty="0"/>
-            </a:br>
-            <a:r>
-              <a:rPr lang="en-US" sz="2400" dirty="0"/>
-              <a:t>  p- = P(class is </a:t>
-            </a:r>
-            <a:r>
-              <a:rPr lang="en-US" sz="2400" dirty="0" smtClean="0"/>
-              <a:t>negative | X)</a:t>
-            </a:r>
-            <a:endParaRPr lang="en-US" sz="2400" dirty="0"/>
-          </a:p>
-          <a:p>
-            <a:pPr marL="0" indent="0">
-              <a:lnSpc>
-                <a:spcPct val="80000"/>
-              </a:lnSpc>
-              <a:buNone/>
-            </a:pPr>
-            <a:endParaRPr lang="en-US" sz="2400" dirty="0">
-              <a:solidFill>
-                <a:srgbClr val="0000CC"/>
-              </a:solidFill>
-            </a:endParaRPr>
-          </a:p>
-        </p:txBody>
-      </p:sp>
-    </p:spTree>
-    <p:extLst>
-      <p:ext uri="{BB962C8B-B14F-4D97-AF65-F5344CB8AC3E}">
-        <p14:creationId xmlns:p14="http://schemas.microsoft.com/office/powerpoint/2010/main" val="3915448747"/>
-      </p:ext>
-    </p:extLst>
-  </p:cSld>
-  <p:clrMapOvr>
-    <a:masterClrMapping/>
-  </p:clrMapOvr>
   <p:timing>
     <p:tnLst>
       <p:par>
@@ -18532,6 +18627,162 @@
       </p:grpSpPr>
       <p:sp>
         <p:nvSpPr>
+          <p:cNvPr id="261122" name="Rectangle 2"/>
+          <p:cNvSpPr>
+            <a:spLocks noGrp="1" noChangeArrowheads="1"/>
+          </p:cNvSpPr>
+          <p:nvPr>
+            <p:ph type="title"/>
+          </p:nvPr>
+        </p:nvSpPr>
+        <p:spPr/>
+        <p:txBody>
+          <a:bodyPr/>
+          <a:lstStyle/>
+          <a:p>
+            <a:r>
+              <a:rPr lang="x-none" sz="3200" dirty="0" smtClean="0"/>
+              <a:t>Goal of Logistic Regression</a:t>
+            </a:r>
+            <a:endParaRPr lang="en-US" sz="3200" dirty="0"/>
+          </a:p>
+        </p:txBody>
+      </p:sp>
+      <p:sp>
+        <p:nvSpPr>
+          <p:cNvPr id="261123" name="Rectangle 3"/>
+          <p:cNvSpPr>
+            <a:spLocks noGrp="1" noChangeArrowheads="1"/>
+          </p:cNvSpPr>
+          <p:nvPr>
+            <p:ph idx="1"/>
+          </p:nvPr>
+        </p:nvSpPr>
+        <p:spPr/>
+        <p:txBody>
+          <a:bodyPr/>
+          <a:lstStyle/>
+          <a:p>
+            <a:pPr marL="0" indent="0">
+              <a:buNone/>
+            </a:pPr>
+            <a:r>
+              <a:rPr lang="en-US" dirty="0" smtClean="0"/>
+              <a:t>Key </a:t>
+            </a:r>
+            <a:r>
+              <a:rPr lang="en-US" dirty="0"/>
+              <a:t>idea: instead of predicting a number in R, predict the </a:t>
+            </a:r>
+            <a:r>
+              <a:rPr lang="en-US" i="1" dirty="0" smtClean="0"/>
+              <a:t>probability p </a:t>
+            </a:r>
+            <a:r>
+              <a:rPr lang="en-US" i="1" dirty="0"/>
+              <a:t>of a class </a:t>
+            </a:r>
+            <a:r>
+              <a:rPr lang="en-US" i="1" dirty="0" smtClean="0"/>
+              <a:t>label</a:t>
+            </a:r>
+            <a:r>
+              <a:rPr lang="en-US" dirty="0"/>
+              <a:t> </a:t>
+            </a:r>
+            <a:r>
+              <a:rPr lang="en-US" dirty="0" smtClean="0"/>
+              <a:t>given a set of features </a:t>
+            </a:r>
+            <a:r>
+              <a:rPr lang="en-US" i="1" dirty="0" smtClean="0"/>
+              <a:t>X</a:t>
+            </a:r>
+            <a:endParaRPr lang="en-US" dirty="0"/>
+          </a:p>
+          <a:p>
+            <a:pPr marL="0" indent="0">
+              <a:buNone/>
+            </a:pPr>
+            <a:r>
+              <a:rPr lang="en-US" sz="2400" dirty="0"/>
+              <a:t>  p+ = P(class is </a:t>
+            </a:r>
+            <a:r>
+              <a:rPr lang="en-US" sz="2400" dirty="0" smtClean="0"/>
+              <a:t>positive | X)</a:t>
+            </a:r>
+            <a:r>
+              <a:rPr lang="en-US" sz="2400" dirty="0"/>
+              <a:t/>
+            </a:r>
+            <a:br>
+              <a:rPr lang="en-US" sz="2400" dirty="0"/>
+            </a:br>
+            <a:r>
+              <a:rPr lang="en-US" sz="2400" dirty="0"/>
+              <a:t>  p- = P(class is </a:t>
+            </a:r>
+            <a:r>
+              <a:rPr lang="en-US" sz="2400" dirty="0" smtClean="0"/>
+              <a:t>negative | X)</a:t>
+            </a:r>
+            <a:endParaRPr lang="en-US" sz="2400" dirty="0"/>
+          </a:p>
+          <a:p>
+            <a:pPr marL="0" indent="0">
+              <a:lnSpc>
+                <a:spcPct val="80000"/>
+              </a:lnSpc>
+              <a:buNone/>
+            </a:pPr>
+            <a:endParaRPr lang="en-US" sz="2400" dirty="0">
+              <a:solidFill>
+                <a:srgbClr val="0000CC"/>
+              </a:solidFill>
+            </a:endParaRPr>
+          </a:p>
+        </p:txBody>
+      </p:sp>
+    </p:spTree>
+    <p:extLst>
+      <p:ext uri="{BB962C8B-B14F-4D97-AF65-F5344CB8AC3E}">
+        <p14:creationId xmlns:p14="http://schemas.microsoft.com/office/powerpoint/2010/main" val="3915448747"/>
+      </p:ext>
+    </p:extLst>
+  </p:cSld>
+  <p:clrMapOvr>
+    <a:masterClrMapping/>
+  </p:clrMapOvr>
+  <p:timing>
+    <p:tnLst>
+      <p:par>
+        <p:cTn xmlns:p14="http://schemas.microsoft.com/office/powerpoint/2010/main" id="1" dur="indefinite" restart="never" nodeType="tmRoot"/>
+      </p:par>
+    </p:tnLst>
+  </p:timing>
+</p:sld>
+</file>
+
+<file path=ppt/slides/slide28.xml><?xml version="1.0" encoding="utf-8"?>
+<p:sld xmlns:a="http://schemas.openxmlformats.org/drawingml/2006/main" xmlns:r="http://schemas.openxmlformats.org/officeDocument/2006/relationships" xmlns:p="http://schemas.openxmlformats.org/presentationml/2006/main">
+  <p:cSld>
+    <p:spTree>
+      <p:nvGrpSpPr>
+        <p:cNvPr id="1" name=""/>
+        <p:cNvGrpSpPr/>
+        <p:nvPr/>
+      </p:nvGrpSpPr>
+      <p:grpSpPr>
+        <a:xfrm>
+          <a:off x="0" y="0"/>
+          <a:ext cx="0" cy="0"/>
+          <a:chOff x="0" y="0"/>
+          <a:chExt cx="0" cy="0"/>
+        </a:xfrm>
+      </p:grpSpPr>
+      <p:sp>
+        <p:nvSpPr>
           <p:cNvPr id="26628" name="Rectangle 4"/>
           <p:cNvSpPr>
             <a:spLocks noGrp="1" noChangeArrowheads="1"/>
@@ -18555,11 +18806,7 @@
             </a:r>
             <a:r>
               <a:rPr lang="en-US" dirty="0" smtClean="0"/>
-              <a:t>Regression </a:t>
-            </a:r>
-            <a:r>
-              <a:rPr lang="en-US" dirty="0" smtClean="0"/>
-              <a:t>Model</a:t>
+              <a:t>Regression Model</a:t>
             </a:r>
             <a:endParaRPr lang="en-US" dirty="0"/>
           </a:p>
@@ -18644,11 +18891,7 @@
             </a:r>
             <a:r>
               <a:rPr lang="en-US" sz="2400" baseline="-25000" dirty="0" smtClean="0"/>
-              <a:t>1</a:t>
-            </a:r>
-            <a:r>
-              <a:rPr lang="en-US" sz="2400" baseline="-25000" dirty="0" smtClean="0"/>
-              <a:t>..i</a:t>
+              <a:t>1..i</a:t>
             </a:r>
             <a:r>
               <a:rPr lang="en-US" sz="2400" dirty="0" smtClean="0"/>
@@ -18708,11 +18951,7 @@
             </a:pPr>
             <a:r>
               <a:rPr lang="en-US" sz="2400" dirty="0" smtClean="0"/>
-              <a:t>we want to learn </a:t>
-            </a:r>
-            <a:r>
-              <a:rPr lang="en-US" sz="2400" dirty="0" smtClean="0"/>
-              <a:t>  </a:t>
+              <a:t>we want to learn   </a:t>
             </a:r>
             <a:r>
               <a:rPr lang="en-US" sz="2400" dirty="0" err="1" smtClean="0"/>
@@ -18728,11 +18967,7 @@
             </a:r>
             <a:r>
               <a:rPr lang="en-US" sz="2400" dirty="0" smtClean="0"/>
-              <a:t> + </a:t>
-            </a:r>
-            <a:r>
-              <a:rPr lang="en-US" sz="2400" dirty="0" smtClean="0"/>
-              <a:t>b + e</a:t>
+              <a:t> + b + e</a:t>
             </a:r>
             <a:endParaRPr lang="en-US" sz="2400" i="1" dirty="0" smtClean="0"/>
           </a:p>
@@ -18815,7 +19050,7 @@
 </p:sld>
 </file>
 
-<file path=ppt/slides/slide28.xml><?xml version="1.0" encoding="utf-8"?>
+<file path=ppt/slides/slide29.xml><?xml version="1.0" encoding="utf-8"?>
 <p:sld xmlns:a="http://schemas.openxmlformats.org/drawingml/2006/main" xmlns:r="http://schemas.openxmlformats.org/officeDocument/2006/relationships" xmlns:p="http://schemas.openxmlformats.org/presentationml/2006/main" showMasterPhAnim="0">
   <p:cSld>
     <p:spTree>
@@ -19433,7 +19668,205 @@
 </p:sld>
 </file>
 
-<file path=ppt/slides/slide29.xml><?xml version="1.0" encoding="utf-8"?>
+<file path=ppt/slides/slide3.xml><?xml version="1.0" encoding="utf-8"?>
+<p:sld xmlns:a="http://schemas.openxmlformats.org/drawingml/2006/main" xmlns:r="http://schemas.openxmlformats.org/officeDocument/2006/relationships" xmlns:p="http://schemas.openxmlformats.org/presentationml/2006/main">
+  <p:cSld>
+    <p:spTree>
+      <p:nvGrpSpPr>
+        <p:cNvPr id="1" name=""/>
+        <p:cNvGrpSpPr/>
+        <p:nvPr/>
+      </p:nvGrpSpPr>
+      <p:grpSpPr>
+        <a:xfrm>
+          <a:off x="0" y="0"/>
+          <a:ext cx="0" cy="0"/>
+          <a:chOff x="0" y="0"/>
+          <a:chExt cx="0" cy="0"/>
+        </a:xfrm>
+      </p:grpSpPr>
+      <p:sp>
+        <p:nvSpPr>
+          <p:cNvPr id="2" name="Title 1"/>
+          <p:cNvSpPr>
+            <a:spLocks noGrp="1"/>
+          </p:cNvSpPr>
+          <p:nvPr>
+            <p:ph type="title"/>
+          </p:nvPr>
+        </p:nvSpPr>
+        <p:spPr/>
+        <p:txBody>
+          <a:bodyPr/>
+          <a:lstStyle/>
+          <a:p>
+            <a:r>
+              <a:rPr lang="en-US" dirty="0" smtClean="0"/>
+              <a:t>Maximum Accuracy of &gt;68%</a:t>
+            </a:r>
+            <a:endParaRPr lang="en-US" dirty="0"/>
+          </a:p>
+        </p:txBody>
+      </p:sp>
+      <p:sp>
+        <p:nvSpPr>
+          <p:cNvPr id="3" name="Content Placeholder 2"/>
+          <p:cNvSpPr>
+            <a:spLocks noGrp="1"/>
+          </p:cNvSpPr>
+          <p:nvPr>
+            <p:ph idx="1"/>
+          </p:nvPr>
+        </p:nvSpPr>
+        <p:spPr/>
+        <p:txBody>
+          <a:bodyPr/>
+          <a:lstStyle/>
+          <a:p>
+            <a:pPr marL="0" indent="0">
+              <a:buNone/>
+            </a:pPr>
+            <a:r>
+              <a:rPr lang="en-US" dirty="0" smtClean="0"/>
+              <a:t>Tweaked features</a:t>
+            </a:r>
+          </a:p>
+          <a:p>
+            <a:r>
+              <a:rPr lang="en-US" dirty="0" smtClean="0"/>
+              <a:t>Removed ‘Sex’</a:t>
+            </a:r>
+          </a:p>
+          <a:p>
+            <a:r>
+              <a:rPr lang="en-US" dirty="0" smtClean="0"/>
+              <a:t>Removed unknown ages</a:t>
+            </a:r>
+          </a:p>
+          <a:p>
+            <a:pPr marL="0" indent="0">
+              <a:buNone/>
+            </a:pPr>
+            <a:r>
+              <a:rPr lang="en-US" dirty="0" smtClean="0"/>
+              <a:t>Tweaked algorithm</a:t>
+            </a:r>
+          </a:p>
+          <a:p>
+            <a:r>
+              <a:rPr lang="en-US" dirty="0" smtClean="0"/>
+              <a:t>Chose entropy over </a:t>
+            </a:r>
+            <a:r>
+              <a:rPr lang="en-US" dirty="0" err="1"/>
+              <a:t>G</a:t>
+            </a:r>
+            <a:r>
+              <a:rPr lang="en-US" dirty="0" err="1" smtClean="0"/>
+              <a:t>ini</a:t>
+            </a:r>
+            <a:r>
+              <a:rPr lang="en-US" dirty="0" smtClean="0"/>
+              <a:t> for split choice</a:t>
+            </a:r>
+          </a:p>
+          <a:p>
+            <a:endParaRPr lang="en-US" dirty="0"/>
+          </a:p>
+          <a:p>
+            <a:pPr marL="0" indent="0">
+              <a:buNone/>
+            </a:pPr>
+            <a:endParaRPr lang="en-US" dirty="0"/>
+          </a:p>
+        </p:txBody>
+      </p:sp>
+      <p:sp>
+        <p:nvSpPr>
+          <p:cNvPr id="4" name="Date Placeholder 3"/>
+          <p:cNvSpPr>
+            <a:spLocks noGrp="1"/>
+          </p:cNvSpPr>
+          <p:nvPr>
+            <p:ph type="dt" sz="half" idx="10"/>
+          </p:nvPr>
+        </p:nvSpPr>
+        <p:spPr/>
+        <p:txBody>
+          <a:bodyPr/>
+          <a:lstStyle/>
+          <a:p>
+            <a:fld id="{7053BEFA-1175-F644-B249-7D41D72BD3FF}" type="datetime1">
+              <a:rPr lang="en-US" smtClean="0"/>
+              <a:t>4/1/14</a:t>
+            </a:fld>
+            <a:endParaRPr lang="en-US"/>
+          </a:p>
+        </p:txBody>
+      </p:sp>
+      <p:sp>
+        <p:nvSpPr>
+          <p:cNvPr id="5" name="Footer Placeholder 4"/>
+          <p:cNvSpPr>
+            <a:spLocks noGrp="1"/>
+          </p:cNvSpPr>
+          <p:nvPr>
+            <p:ph type="ftr" sz="quarter" idx="11"/>
+          </p:nvPr>
+        </p:nvSpPr>
+        <p:spPr/>
+        <p:txBody>
+          <a:bodyPr/>
+          <a:lstStyle/>
+          <a:p>
+            <a:endParaRPr lang="en-US" dirty="0"/>
+          </a:p>
+        </p:txBody>
+      </p:sp>
+      <p:sp>
+        <p:nvSpPr>
+          <p:cNvPr id="6" name="Slide Number Placeholder 5"/>
+          <p:cNvSpPr>
+            <a:spLocks noGrp="1"/>
+          </p:cNvSpPr>
+          <p:nvPr>
+            <p:ph type="sldNum" sz="quarter" idx="12"/>
+          </p:nvPr>
+        </p:nvSpPr>
+        <p:spPr/>
+        <p:txBody>
+          <a:bodyPr/>
+          <a:lstStyle/>
+          <a:p>
+            <a:fld id="{17E276FA-8F89-B34D-A726-BE3FA1F8DD97}" type="slidenum">
+              <a:rPr lang="en-US" smtClean="0"/>
+              <a:t>3</a:t>
+            </a:fld>
+            <a:endParaRPr lang="en-US" dirty="0"/>
+          </a:p>
+        </p:txBody>
+      </p:sp>
+    </p:spTree>
+    <p:extLst>
+      <p:ext uri="{BB962C8B-B14F-4D97-AF65-F5344CB8AC3E}">
+        <p14:creationId xmlns:p14="http://schemas.microsoft.com/office/powerpoint/2010/main" val="4076716207"/>
+      </p:ext>
+    </p:extLst>
+  </p:cSld>
+  <p:clrMapOvr>
+    <a:masterClrMapping/>
+  </p:clrMapOvr>
+  <p:timing>
+    <p:tnLst>
+      <p:par>
+        <p:cTn xmlns:p14="http://schemas.microsoft.com/office/powerpoint/2010/main" id="1" dur="indefinite" restart="never" nodeType="tmRoot"/>
+      </p:par>
+    </p:tnLst>
+  </p:timing>
+</p:sld>
+</file>
+
+<file path=ppt/slides/slide30.xml><?xml version="1.0" encoding="utf-8"?>
 <p:sld xmlns:a="http://schemas.openxmlformats.org/drawingml/2006/main" xmlns:r="http://schemas.openxmlformats.org/officeDocument/2006/relationships" xmlns:p="http://schemas.openxmlformats.org/presentationml/2006/main" showMasterPhAnim="0">
   <p:cSld>
     <p:spTree>
@@ -19924,7 +20357,7 @@
           <a:graphicData uri="http://schemas.openxmlformats.org/presentationml/2006/ole">
             <mc:AlternateContent xmlns:mc="http://schemas.openxmlformats.org/markup-compatibility/2006">
               <mc:Choice xmlns:v="urn:schemas-microsoft-com:vml" Requires="v">
-                <p:oleObj spid="_x0000_s1035" name="Equation" r:id="rId3" imgW="889000" imgH="457200" progId="Equation.3">
+                <p:oleObj spid="_x0000_s1043" name="Equation" r:id="rId3" imgW="889000" imgH="457200" progId="Equation.3">
                   <p:embed/>
                 </p:oleObj>
               </mc:Choice>
@@ -20353,7 +20786,7 @@
 </p:sld>
 </file>
 
-<file path=ppt/slides/slide3.xml><?xml version="1.0" encoding="utf-8"?>
+<file path=ppt/slides/slide31.xml><?xml version="1.0" encoding="utf-8"?>
 <p:sld xmlns:a="http://schemas.openxmlformats.org/drawingml/2006/main" xmlns:r="http://schemas.openxmlformats.org/officeDocument/2006/relationships" xmlns:p="http://schemas.openxmlformats.org/presentationml/2006/main">
   <p:cSld>
     <p:spTree>
@@ -20372,197 +20805,6 @@
       </p:grpSpPr>
       <p:sp>
         <p:nvSpPr>
-          <p:cNvPr id="2" name="Title 1"/>
-          <p:cNvSpPr>
-            <a:spLocks noGrp="1"/>
-          </p:cNvSpPr>
-          <p:nvPr>
-            <p:ph type="title"/>
-          </p:nvPr>
-        </p:nvSpPr>
-        <p:spPr/>
-        <p:txBody>
-          <a:bodyPr/>
-          <a:lstStyle/>
-          <a:p>
-            <a:r>
-              <a:rPr lang="en-US" dirty="0" smtClean="0"/>
-              <a:t>Maximum Accuracy of &gt;68%</a:t>
-            </a:r>
-            <a:endParaRPr lang="en-US" dirty="0"/>
-          </a:p>
-        </p:txBody>
-      </p:sp>
-      <p:sp>
-        <p:nvSpPr>
-          <p:cNvPr id="3" name="Content Placeholder 2"/>
-          <p:cNvSpPr>
-            <a:spLocks noGrp="1"/>
-          </p:cNvSpPr>
-          <p:nvPr>
-            <p:ph idx="1"/>
-          </p:nvPr>
-        </p:nvSpPr>
-        <p:spPr/>
-        <p:txBody>
-          <a:bodyPr/>
-          <a:lstStyle/>
-          <a:p>
-            <a:pPr marL="0" indent="0">
-              <a:buNone/>
-            </a:pPr>
-            <a:r>
-              <a:rPr lang="en-US" dirty="0" smtClean="0"/>
-              <a:t>Tweaked features</a:t>
-            </a:r>
-          </a:p>
-          <a:p>
-            <a:r>
-              <a:rPr lang="en-US" dirty="0" smtClean="0"/>
-              <a:t>Removed ‘Sex’</a:t>
-            </a:r>
-          </a:p>
-          <a:p>
-            <a:r>
-              <a:rPr lang="en-US" dirty="0" smtClean="0"/>
-              <a:t>Removed unknown ages</a:t>
-            </a:r>
-          </a:p>
-          <a:p>
-            <a:pPr marL="0" indent="0">
-              <a:buNone/>
-            </a:pPr>
-            <a:r>
-              <a:rPr lang="en-US" dirty="0" smtClean="0"/>
-              <a:t>Tweaked algorithm</a:t>
-            </a:r>
-          </a:p>
-          <a:p>
-            <a:r>
-              <a:rPr lang="en-US" dirty="0" smtClean="0"/>
-              <a:t>Chose entropy over </a:t>
-            </a:r>
-            <a:r>
-              <a:rPr lang="en-US" dirty="0" err="1"/>
-              <a:t>G</a:t>
-            </a:r>
-            <a:r>
-              <a:rPr lang="en-US" dirty="0" err="1" smtClean="0"/>
-              <a:t>ini</a:t>
-            </a:r>
-            <a:r>
-              <a:rPr lang="en-US" dirty="0" smtClean="0"/>
-              <a:t> for split choice</a:t>
-            </a:r>
-          </a:p>
-          <a:p>
-            <a:endParaRPr lang="en-US" dirty="0"/>
-          </a:p>
-          <a:p>
-            <a:pPr marL="0" indent="0">
-              <a:buNone/>
-            </a:pPr>
-            <a:endParaRPr lang="en-US" dirty="0"/>
-          </a:p>
-        </p:txBody>
-      </p:sp>
-      <p:sp>
-        <p:nvSpPr>
-          <p:cNvPr id="4" name="Date Placeholder 3"/>
-          <p:cNvSpPr>
-            <a:spLocks noGrp="1"/>
-          </p:cNvSpPr>
-          <p:nvPr>
-            <p:ph type="dt" sz="half" idx="10"/>
-          </p:nvPr>
-        </p:nvSpPr>
-        <p:spPr/>
-        <p:txBody>
-          <a:bodyPr/>
-          <a:lstStyle/>
-          <a:p>
-            <a:fld id="{7053BEFA-1175-F644-B249-7D41D72BD3FF}" type="datetime1">
-              <a:rPr lang="en-US" smtClean="0"/>
-              <a:t>3/31/14</a:t>
-            </a:fld>
-            <a:endParaRPr lang="en-US"/>
-          </a:p>
-        </p:txBody>
-      </p:sp>
-      <p:sp>
-        <p:nvSpPr>
-          <p:cNvPr id="5" name="Footer Placeholder 4"/>
-          <p:cNvSpPr>
-            <a:spLocks noGrp="1"/>
-          </p:cNvSpPr>
-          <p:nvPr>
-            <p:ph type="ftr" sz="quarter" idx="11"/>
-          </p:nvPr>
-        </p:nvSpPr>
-        <p:spPr/>
-        <p:txBody>
-          <a:bodyPr/>
-          <a:lstStyle/>
-          <a:p>
-            <a:endParaRPr lang="en-US" dirty="0"/>
-          </a:p>
-        </p:txBody>
-      </p:sp>
-      <p:sp>
-        <p:nvSpPr>
-          <p:cNvPr id="6" name="Slide Number Placeholder 5"/>
-          <p:cNvSpPr>
-            <a:spLocks noGrp="1"/>
-          </p:cNvSpPr>
-          <p:nvPr>
-            <p:ph type="sldNum" sz="quarter" idx="12"/>
-          </p:nvPr>
-        </p:nvSpPr>
-        <p:spPr/>
-        <p:txBody>
-          <a:bodyPr/>
-          <a:lstStyle/>
-          <a:p>
-            <a:fld id="{17E276FA-8F89-B34D-A726-BE3FA1F8DD97}" type="slidenum">
-              <a:rPr lang="en-US" smtClean="0"/>
-              <a:t>3</a:t>
-            </a:fld>
-            <a:endParaRPr lang="en-US" dirty="0"/>
-          </a:p>
-        </p:txBody>
-      </p:sp>
-    </p:spTree>
-    <p:extLst>
-      <p:ext uri="{BB962C8B-B14F-4D97-AF65-F5344CB8AC3E}">
-        <p14:creationId xmlns:p14="http://schemas.microsoft.com/office/powerpoint/2010/main" val="4076716207"/>
-      </p:ext>
-    </p:extLst>
-  </p:cSld>
-  <p:clrMapOvr>
-    <a:masterClrMapping/>
-  </p:clrMapOvr>
-</p:sld>
-</file>
-
-<file path=ppt/slides/slide30.xml><?xml version="1.0" encoding="utf-8"?>
-<p:sld xmlns:a="http://schemas.openxmlformats.org/drawingml/2006/main" xmlns:r="http://schemas.openxmlformats.org/officeDocument/2006/relationships" xmlns:p="http://schemas.openxmlformats.org/presentationml/2006/main">
-  <p:cSld>
-    <p:spTree>
-      <p:nvGrpSpPr>
-        <p:cNvPr id="1" name=""/>
-        <p:cNvGrpSpPr/>
-        <p:nvPr/>
-      </p:nvGrpSpPr>
-      <p:grpSpPr>
-        <a:xfrm>
-          <a:off x="0" y="0"/>
-          <a:ext cx="0" cy="0"/>
-          <a:chOff x="0" y="0"/>
-          <a:chExt cx="0" cy="0"/>
-        </a:xfrm>
-      </p:grpSpPr>
-      <p:sp>
-        <p:nvSpPr>
           <p:cNvPr id="3" name="Footer Placeholder 2"/>
           <p:cNvSpPr>
             <a:spLocks noGrp="1"/>
@@ -20637,11 +20879,7 @@
           <a:p>
             <a:r>
               <a:rPr lang="en-US" dirty="0" smtClean="0"/>
-              <a:t>Squeezes </a:t>
-            </a:r>
-            <a:r>
-              <a:rPr lang="en-US" dirty="0" smtClean="0"/>
-              <a:t>the real line into [0,1]</a:t>
+              <a:t>Squeezes the real line into [0,1]</a:t>
             </a:r>
           </a:p>
           <a:p>
@@ -20683,7 +20921,7 @@
           <a:graphicData uri="http://schemas.openxmlformats.org/presentationml/2006/ole">
             <mc:AlternateContent xmlns:mc="http://schemas.openxmlformats.org/markup-compatibility/2006">
               <mc:Choice xmlns:v="urn:schemas-microsoft-com:vml" Requires="v">
-                <p:oleObj spid="_x0000_s686351" name="Equation" r:id="rId4" imgW="886680" imgH="420480" progId="Equation.3">
+                <p:oleObj spid="_x0000_s686364" name="Equation" r:id="rId4" imgW="886680" imgH="420480" progId="Equation.3">
                   <p:embed/>
                 </p:oleObj>
               </mc:Choice>
@@ -20789,7 +21027,7 @@
           <a:graphicData uri="http://schemas.openxmlformats.org/presentationml/2006/ole">
             <mc:AlternateContent xmlns:mc="http://schemas.openxmlformats.org/markup-compatibility/2006">
               <mc:Choice xmlns:v="urn:schemas-microsoft-com:vml" Requires="v">
-                <p:oleObj spid="_x0000_s686352" name="Equation" r:id="rId7" imgW="330200" imgH="203200" progId="Equation.3">
+                <p:oleObj spid="_x0000_s686365" name="Equation" r:id="rId7" imgW="330200" imgH="203200" progId="Equation.3">
                   <p:embed/>
                 </p:oleObj>
               </mc:Choice>
@@ -20849,7 +21087,7 @@
 </p:sld>
 </file>
 
-<file path=ppt/slides/slide31.xml><?xml version="1.0" encoding="utf-8"?>
+<file path=ppt/slides/slide32.xml><?xml version="1.0" encoding="utf-8"?>
 <p:sld xmlns:a="http://schemas.openxmlformats.org/drawingml/2006/main" xmlns:r="http://schemas.openxmlformats.org/officeDocument/2006/relationships" xmlns:p="http://schemas.openxmlformats.org/presentationml/2006/main">
   <p:cSld>
     <p:spTree>
@@ -21011,7 +21249,6 @@
               <a:rPr lang="en-US" dirty="0" smtClean="0"/>
               <a:t> </a:t>
             </a:r>
-            <a:endParaRPr lang="en-US" dirty="0" smtClean="0"/>
           </a:p>
         </p:txBody>
       </p:sp>
@@ -21037,7 +21274,7 @@
           <a:graphicData uri="http://schemas.openxmlformats.org/presentationml/2006/ole">
             <mc:AlternateContent xmlns:mc="http://schemas.openxmlformats.org/markup-compatibility/2006">
               <mc:Choice xmlns:v="urn:schemas-microsoft-com:vml" Requires="v">
-                <p:oleObj spid="_x0000_s688354" name="Equation" r:id="rId4" imgW="1308100" imgH="444500" progId="Equation.3">
+                <p:oleObj spid="_x0000_s688367" name="Equation" r:id="rId4" imgW="1308100" imgH="444500" progId="Equation.3">
                   <p:embed/>
                 </p:oleObj>
               </mc:Choice>
@@ -21099,7 +21336,7 @@
           <a:graphicData uri="http://schemas.openxmlformats.org/presentationml/2006/ole">
             <mc:AlternateContent xmlns:mc="http://schemas.openxmlformats.org/markup-compatibility/2006">
               <mc:Choice xmlns:v="urn:schemas-microsoft-com:vml" Requires="v">
-                <p:oleObj spid="_x0000_s688355" name="Equation" r:id="rId6" imgW="1866900" imgH="457200" progId="Equation.3">
+                <p:oleObj spid="_x0000_s688368" name="Equation" r:id="rId6" imgW="1866900" imgH="457200" progId="Equation.3">
                   <p:embed/>
                 </p:oleObj>
               </mc:Choice>
@@ -21159,7 +21396,7 @@
 </p:sld>
 </file>
 
-<file path=ppt/slides/slide32.xml><?xml version="1.0" encoding="utf-8"?>
+<file path=ppt/slides/slide33.xml><?xml version="1.0" encoding="utf-8"?>
 <p:sld xmlns:a="http://schemas.openxmlformats.org/drawingml/2006/main" xmlns:r="http://schemas.openxmlformats.org/officeDocument/2006/relationships" xmlns:p="http://schemas.openxmlformats.org/presentationml/2006/main">
   <p:cSld>
     <p:spTree>
@@ -21321,7 +21558,6 @@
               <a:rPr lang="en-US" dirty="0" smtClean="0"/>
               <a:t> </a:t>
             </a:r>
-            <a:endParaRPr lang="en-US" dirty="0" smtClean="0"/>
           </a:p>
         </p:txBody>
       </p:sp>
@@ -21347,7 +21583,7 @@
           <a:graphicData uri="http://schemas.openxmlformats.org/presentationml/2006/ole">
             <mc:AlternateContent xmlns:mc="http://schemas.openxmlformats.org/markup-compatibility/2006">
               <mc:Choice xmlns:v="urn:schemas-microsoft-com:vml" Requires="v">
-                <p:oleObj spid="_x0000_s696335" name="Equation" r:id="rId4" imgW="1308100" imgH="444500" progId="Equation.3">
+                <p:oleObj spid="_x0000_s696348" name="Equation" r:id="rId4" imgW="1308100" imgH="444500" progId="Equation.3">
                   <p:embed/>
                 </p:oleObj>
               </mc:Choice>
@@ -21409,7 +21645,7 @@
           <a:graphicData uri="http://schemas.openxmlformats.org/presentationml/2006/ole">
             <mc:AlternateContent xmlns:mc="http://schemas.openxmlformats.org/markup-compatibility/2006">
               <mc:Choice xmlns:v="urn:schemas-microsoft-com:vml" Requires="v">
-                <p:oleObj spid="_x0000_s696336" name="Equation" r:id="rId6" imgW="1866900" imgH="457200" progId="Equation.3">
+                <p:oleObj spid="_x0000_s696349" name="Equation" r:id="rId6" imgW="1866900" imgH="457200" progId="Equation.3">
                   <p:embed/>
                 </p:oleObj>
               </mc:Choice>
@@ -21550,7 +21786,7 @@
 </p:sld>
 </file>
 
-<file path=ppt/slides/slide33.xml><?xml version="1.0" encoding="utf-8"?>
+<file path=ppt/slides/slide34.xml><?xml version="1.0" encoding="utf-8"?>
 <p:sld xmlns:a="http://schemas.openxmlformats.org/drawingml/2006/main" xmlns:r="http://schemas.openxmlformats.org/officeDocument/2006/relationships" xmlns:p="http://schemas.openxmlformats.org/presentationml/2006/main">
   <p:cSld>
     <p:spTree>
@@ -21712,7 +21948,6 @@
               <a:rPr lang="en-US" dirty="0" smtClean="0"/>
               <a:t> </a:t>
             </a:r>
-            <a:endParaRPr lang="en-US" dirty="0" smtClean="0"/>
           </a:p>
         </p:txBody>
       </p:sp>
@@ -21738,7 +21973,7 @@
           <a:graphicData uri="http://schemas.openxmlformats.org/presentationml/2006/ole">
             <mc:AlternateContent xmlns:mc="http://schemas.openxmlformats.org/markup-compatibility/2006">
               <mc:Choice xmlns:v="urn:schemas-microsoft-com:vml" Requires="v">
-                <p:oleObj spid="_x0000_s697359" name="Equation" r:id="rId4" imgW="1308100" imgH="444500" progId="Equation.3">
+                <p:oleObj spid="_x0000_s697372" name="Equation" r:id="rId4" imgW="1308100" imgH="444500" progId="Equation.3">
                   <p:embed/>
                 </p:oleObj>
               </mc:Choice>
@@ -21800,7 +22035,7 @@
           <a:graphicData uri="http://schemas.openxmlformats.org/presentationml/2006/ole">
             <mc:AlternateContent xmlns:mc="http://schemas.openxmlformats.org/markup-compatibility/2006">
               <mc:Choice xmlns:v="urn:schemas-microsoft-com:vml" Requires="v">
-                <p:oleObj spid="_x0000_s697360" name="Equation" r:id="rId6" imgW="1866900" imgH="457200" progId="Equation.3">
+                <p:oleObj spid="_x0000_s697373" name="Equation" r:id="rId6" imgW="1866900" imgH="457200" progId="Equation.3">
                   <p:embed/>
                 </p:oleObj>
               </mc:Choice>
@@ -21947,7 +22182,7 @@
 </p:sld>
 </file>
 
-<file path=ppt/slides/slide34.xml><?xml version="1.0" encoding="utf-8"?>
+<file path=ppt/slides/slide35.xml><?xml version="1.0" encoding="utf-8"?>
 <p:sld xmlns:a="http://schemas.openxmlformats.org/drawingml/2006/main" xmlns:r="http://schemas.openxmlformats.org/officeDocument/2006/relationships" xmlns:p="http://schemas.openxmlformats.org/presentationml/2006/main">
   <p:cSld>
     <p:spTree>
@@ -22109,7 +22344,6 @@
               <a:rPr lang="en-US" dirty="0" smtClean="0"/>
               <a:t> </a:t>
             </a:r>
-            <a:endParaRPr lang="en-US" dirty="0" smtClean="0"/>
           </a:p>
         </p:txBody>
       </p:sp>
@@ -22135,7 +22369,7 @@
           <a:graphicData uri="http://schemas.openxmlformats.org/presentationml/2006/ole">
             <mc:AlternateContent xmlns:mc="http://schemas.openxmlformats.org/markup-compatibility/2006">
               <mc:Choice xmlns:v="urn:schemas-microsoft-com:vml" Requires="v">
-                <p:oleObj spid="_x0000_s698383" name="Equation" r:id="rId4" imgW="1308100" imgH="444500" progId="Equation.3">
+                <p:oleObj spid="_x0000_s698396" name="Equation" r:id="rId4" imgW="1308100" imgH="444500" progId="Equation.3">
                   <p:embed/>
                 </p:oleObj>
               </mc:Choice>
@@ -22197,7 +22431,7 @@
           <a:graphicData uri="http://schemas.openxmlformats.org/presentationml/2006/ole">
             <mc:AlternateContent xmlns:mc="http://schemas.openxmlformats.org/markup-compatibility/2006">
               <mc:Choice xmlns:v="urn:schemas-microsoft-com:vml" Requires="v">
-                <p:oleObj spid="_x0000_s698384" name="Equation" r:id="rId6" imgW="1866900" imgH="457200" progId="Equation.3">
+                <p:oleObj spid="_x0000_s698397" name="Equation" r:id="rId6" imgW="1866900" imgH="457200" progId="Equation.3">
                   <p:embed/>
                 </p:oleObj>
               </mc:Choice>
@@ -22360,7 +22594,7 @@
 </p:sld>
 </file>
 
-<file path=ppt/slides/slide35.xml><?xml version="1.0" encoding="utf-8"?>
+<file path=ppt/slides/slide36.xml><?xml version="1.0" encoding="utf-8"?>
 <p:sld xmlns:a="http://schemas.openxmlformats.org/drawingml/2006/main" xmlns:r="http://schemas.openxmlformats.org/officeDocument/2006/relationships" xmlns:p="http://schemas.openxmlformats.org/presentationml/2006/main">
   <p:cSld>
     <p:spTree>
@@ -22522,7 +22756,6 @@
               <a:rPr lang="en-US" dirty="0" smtClean="0"/>
               <a:t> </a:t>
             </a:r>
-            <a:endParaRPr lang="en-US" dirty="0" smtClean="0"/>
           </a:p>
         </p:txBody>
       </p:sp>
@@ -22548,7 +22781,7 @@
           <a:graphicData uri="http://schemas.openxmlformats.org/presentationml/2006/ole">
             <mc:AlternateContent xmlns:mc="http://schemas.openxmlformats.org/markup-compatibility/2006">
               <mc:Choice xmlns:v="urn:schemas-microsoft-com:vml" Requires="v">
-                <p:oleObj spid="_x0000_s699407" name="Equation" r:id="rId4" imgW="1308100" imgH="444500" progId="Equation.3">
+                <p:oleObj spid="_x0000_s699420" name="Equation" r:id="rId4" imgW="1308100" imgH="444500" progId="Equation.3">
                   <p:embed/>
                 </p:oleObj>
               </mc:Choice>
@@ -22610,7 +22843,7 @@
           <a:graphicData uri="http://schemas.openxmlformats.org/presentationml/2006/ole">
             <mc:AlternateContent xmlns:mc="http://schemas.openxmlformats.org/markup-compatibility/2006">
               <mc:Choice xmlns:v="urn:schemas-microsoft-com:vml" Requires="v">
-                <p:oleObj spid="_x0000_s699408" name="Equation" r:id="rId6" imgW="1866900" imgH="457200" progId="Equation.3">
+                <p:oleObj spid="_x0000_s699421" name="Equation" r:id="rId6" imgW="1866900" imgH="457200" progId="Equation.3">
                   <p:embed/>
                 </p:oleObj>
               </mc:Choice>
@@ -22756,7 +22989,7 @@
 </p:sld>
 </file>
 
-<file path=ppt/slides/slide36.xml><?xml version="1.0" encoding="utf-8"?>
+<file path=ppt/slides/slide37.xml><?xml version="1.0" encoding="utf-8"?>
 <p:sld xmlns:a="http://schemas.openxmlformats.org/drawingml/2006/main" xmlns:r="http://schemas.openxmlformats.org/officeDocument/2006/relationships" xmlns:p="http://schemas.openxmlformats.org/presentationml/2006/main">
   <p:cSld>
     <p:spTree>
@@ -22918,7 +23151,6 @@
               <a:rPr lang="en-US" dirty="0" smtClean="0"/>
               <a:t> </a:t>
             </a:r>
-            <a:endParaRPr lang="en-US" dirty="0" smtClean="0"/>
           </a:p>
         </p:txBody>
       </p:sp>
@@ -22944,7 +23176,7 @@
           <a:graphicData uri="http://schemas.openxmlformats.org/presentationml/2006/ole">
             <mc:AlternateContent xmlns:mc="http://schemas.openxmlformats.org/markup-compatibility/2006">
               <mc:Choice xmlns:v="urn:schemas-microsoft-com:vml" Requires="v">
-                <p:oleObj spid="_x0000_s700431" name="Equation" r:id="rId4" imgW="1308100" imgH="444500" progId="Equation.3">
+                <p:oleObj spid="_x0000_s700444" name="Equation" r:id="rId4" imgW="1308100" imgH="444500" progId="Equation.3">
                   <p:embed/>
                 </p:oleObj>
               </mc:Choice>
@@ -23006,7 +23238,7 @@
           <a:graphicData uri="http://schemas.openxmlformats.org/presentationml/2006/ole">
             <mc:AlternateContent xmlns:mc="http://schemas.openxmlformats.org/markup-compatibility/2006">
               <mc:Choice xmlns:v="urn:schemas-microsoft-com:vml" Requires="v">
-                <p:oleObj spid="_x0000_s700432" name="Equation" r:id="rId6" imgW="1866900" imgH="457200" progId="Equation.3">
+                <p:oleObj spid="_x0000_s700445" name="Equation" r:id="rId6" imgW="1866900" imgH="457200" progId="Equation.3">
                   <p:embed/>
                 </p:oleObj>
               </mc:Choice>
@@ -23153,237 +23385,6 @@
 </p:sld>
 </file>
 
-<file path=ppt/slides/slide37.xml><?xml version="1.0" encoding="utf-8"?>
-<p:sld xmlns:a="http://schemas.openxmlformats.org/drawingml/2006/main" xmlns:r="http://schemas.openxmlformats.org/officeDocument/2006/relationships" xmlns:p="http://schemas.openxmlformats.org/presentationml/2006/main">
-  <p:cSld>
-    <p:spTree>
-      <p:nvGrpSpPr>
-        <p:cNvPr id="1" name=""/>
-        <p:cNvGrpSpPr/>
-        <p:nvPr/>
-      </p:nvGrpSpPr>
-      <p:grpSpPr>
-        <a:xfrm>
-          <a:off x="0" y="0"/>
-          <a:ext cx="0" cy="0"/>
-          <a:chOff x="0" y="0"/>
-          <a:chExt cx="0" cy="0"/>
-        </a:xfrm>
-      </p:grpSpPr>
-      <p:sp>
-        <p:nvSpPr>
-          <p:cNvPr id="2" name="Title 1"/>
-          <p:cNvSpPr>
-            <a:spLocks noGrp="1"/>
-          </p:cNvSpPr>
-          <p:nvPr>
-            <p:ph type="title"/>
-          </p:nvPr>
-        </p:nvSpPr>
-        <p:spPr/>
-        <p:txBody>
-          <a:bodyPr/>
-          <a:lstStyle/>
-          <a:p>
-            <a:r>
-              <a:rPr lang="en-US" dirty="0" smtClean="0"/>
-              <a:t>Gradient Descent</a:t>
-            </a:r>
-            <a:endParaRPr lang="en-US" dirty="0"/>
-          </a:p>
-        </p:txBody>
-      </p:sp>
-      <p:sp>
-        <p:nvSpPr>
-          <p:cNvPr id="3" name="Content Placeholder 2"/>
-          <p:cNvSpPr>
-            <a:spLocks noGrp="1"/>
-          </p:cNvSpPr>
-          <p:nvPr>
-            <p:ph idx="1"/>
-          </p:nvPr>
-        </p:nvSpPr>
-        <p:spPr/>
-        <p:txBody>
-          <a:bodyPr/>
-          <a:lstStyle/>
-          <a:p>
-            <a:pPr marL="0" indent="0">
-              <a:lnSpc>
-                <a:spcPct val="90000"/>
-              </a:lnSpc>
-              <a:buNone/>
-            </a:pPr>
-            <a:r>
-              <a:rPr lang="en-US" altLang="he-IL" dirty="0" smtClean="0"/>
-              <a:t>Loops over the entire data set S </a:t>
-            </a:r>
-          </a:p>
-          <a:p>
-            <a:pPr marL="0" indent="0">
-              <a:lnSpc>
-                <a:spcPct val="90000"/>
-              </a:lnSpc>
-              <a:buNone/>
-            </a:pPr>
-            <a:r>
-              <a:rPr lang="en-US" altLang="he-IL" dirty="0" smtClean="0"/>
-              <a:t>At each step change w based on the error and the step size </a:t>
-            </a:r>
-            <a:r>
-              <a:rPr lang="en-US" altLang="he-IL" dirty="0">
-                <a:sym typeface="Symbol" charset="0"/>
-              </a:rPr>
-              <a:t></a:t>
-            </a:r>
-            <a:endParaRPr lang="en-US" altLang="he-IL" dirty="0"/>
-          </a:p>
-          <a:p>
-            <a:pPr>
-              <a:lnSpc>
-                <a:spcPct val="110000"/>
-              </a:lnSpc>
-              <a:buFontTx/>
-              <a:buNone/>
-            </a:pPr>
-            <a:r>
-              <a:rPr lang="en-US" altLang="he-IL" dirty="0"/>
-              <a:t>   </a:t>
-            </a:r>
-            <a:r>
-              <a:rPr lang="en-US" dirty="0">
-                <a:latin typeface="Symbol" charset="0"/>
-              </a:rPr>
-              <a:t> </a:t>
-            </a:r>
-            <a:r>
-              <a:rPr lang="en-US" dirty="0" err="1" smtClean="0"/>
-              <a:t>w</a:t>
-            </a:r>
-            <a:r>
-              <a:rPr lang="en-US" baseline="-25000" dirty="0" err="1" smtClean="0"/>
-              <a:t>j</a:t>
-            </a:r>
-            <a:r>
-              <a:rPr lang="en-US" dirty="0" smtClean="0"/>
-              <a:t>  =  </a:t>
-            </a:r>
-            <a:r>
-              <a:rPr lang="en-US" dirty="0" err="1"/>
-              <a:t>w</a:t>
-            </a:r>
-            <a:r>
-              <a:rPr lang="en-US" baseline="-25000" dirty="0" err="1"/>
-              <a:t>i</a:t>
-            </a:r>
-            <a:r>
-              <a:rPr lang="en-US" dirty="0"/>
-              <a:t> </a:t>
-            </a:r>
-            <a:r>
-              <a:rPr lang="en-US" altLang="he-IL" dirty="0" smtClean="0"/>
-              <a:t>- </a:t>
-            </a:r>
-            <a:r>
-              <a:rPr lang="en-US" altLang="he-IL" dirty="0">
-                <a:sym typeface="Symbol" charset="0"/>
-              </a:rPr>
-              <a:t> </a:t>
-            </a:r>
-            <a:r>
-              <a:rPr lang="en-US" dirty="0" err="1"/>
-              <a:t>Δ</a:t>
-            </a:r>
-            <a:r>
-              <a:rPr lang="en-US" dirty="0"/>
-              <a:t>(w</a:t>
-            </a:r>
-            <a:r>
-              <a:rPr lang="en-US" dirty="0" smtClean="0"/>
-              <a:t>)</a:t>
-            </a:r>
-            <a:endParaRPr lang="en-US" dirty="0" smtClean="0"/>
-          </a:p>
-        </p:txBody>
-      </p:sp>
-      <p:sp>
-        <p:nvSpPr>
-          <p:cNvPr id="4" name="Date Placeholder 3"/>
-          <p:cNvSpPr>
-            <a:spLocks noGrp="1"/>
-          </p:cNvSpPr>
-          <p:nvPr>
-            <p:ph type="dt" sz="half" idx="10"/>
-          </p:nvPr>
-        </p:nvSpPr>
-        <p:spPr/>
-        <p:txBody>
-          <a:bodyPr/>
-          <a:lstStyle/>
-          <a:p>
-            <a:fld id="{7053BEFA-1175-F644-B249-7D41D72BD3FF}" type="datetime1">
-              <a:rPr lang="en-US" smtClean="0"/>
-              <a:t>3/31/14</a:t>
-            </a:fld>
-            <a:endParaRPr lang="en-US"/>
-          </a:p>
-        </p:txBody>
-      </p:sp>
-      <p:sp>
-        <p:nvSpPr>
-          <p:cNvPr id="5" name="Footer Placeholder 4"/>
-          <p:cNvSpPr>
-            <a:spLocks noGrp="1"/>
-          </p:cNvSpPr>
-          <p:nvPr>
-            <p:ph type="ftr" sz="quarter" idx="11"/>
-          </p:nvPr>
-        </p:nvSpPr>
-        <p:spPr/>
-        <p:txBody>
-          <a:bodyPr/>
-          <a:lstStyle/>
-          <a:p>
-            <a:endParaRPr lang="en-US" dirty="0"/>
-          </a:p>
-        </p:txBody>
-      </p:sp>
-      <p:sp>
-        <p:nvSpPr>
-          <p:cNvPr id="6" name="Slide Number Placeholder 5"/>
-          <p:cNvSpPr>
-            <a:spLocks noGrp="1"/>
-          </p:cNvSpPr>
-          <p:nvPr>
-            <p:ph type="sldNum" sz="quarter" idx="12"/>
-          </p:nvPr>
-        </p:nvSpPr>
-        <p:spPr/>
-        <p:txBody>
-          <a:bodyPr/>
-          <a:lstStyle/>
-          <a:p>
-            <a:fld id="{17E276FA-8F89-B34D-A726-BE3FA1F8DD97}" type="slidenum">
-              <a:rPr lang="en-US" smtClean="0"/>
-              <a:t>37</a:t>
-            </a:fld>
-            <a:endParaRPr lang="en-US" dirty="0"/>
-          </a:p>
-        </p:txBody>
-      </p:sp>
-    </p:spTree>
-    <p:extLst>
-      <p:ext uri="{BB962C8B-B14F-4D97-AF65-F5344CB8AC3E}">
-        <p14:creationId xmlns:p14="http://schemas.microsoft.com/office/powerpoint/2010/main" val="1796340493"/>
-      </p:ext>
-    </p:extLst>
-  </p:cSld>
-  <p:clrMapOvr>
-    <a:masterClrMapping/>
-  </p:clrMapOvr>
-</p:sld>
-</file>
-
 <file path=ppt/slides/slide38.xml><?xml version="1.0" encoding="utf-8"?>
 <p:sld xmlns:a="http://schemas.openxmlformats.org/drawingml/2006/main" xmlns:r="http://schemas.openxmlformats.org/officeDocument/2006/relationships" xmlns:p="http://schemas.openxmlformats.org/presentationml/2006/main">
   <p:cSld>
@@ -23418,7 +23419,7 @@
           <a:p>
             <a:r>
               <a:rPr lang="en-US" dirty="0" smtClean="0"/>
-              <a:t>Questions about HW 6?</a:t>
+              <a:t>Gradient Descent</a:t>
             </a:r>
             <a:endParaRPr lang="en-US" dirty="0"/>
           </a:p>
@@ -23439,7 +23440,100 @@
           <a:bodyPr/>
           <a:lstStyle/>
           <a:p>
-            <a:endParaRPr lang="en-US"/>
+            <a:pPr marL="0" indent="0">
+              <a:lnSpc>
+                <a:spcPct val="90000"/>
+              </a:lnSpc>
+              <a:buNone/>
+            </a:pPr>
+            <a:r>
+              <a:rPr lang="en-US" altLang="he-IL" dirty="0" smtClean="0"/>
+              <a:t>Loops over the entire data set S </a:t>
+            </a:r>
+          </a:p>
+          <a:p>
+            <a:pPr marL="0" indent="0">
+              <a:lnSpc>
+                <a:spcPct val="90000"/>
+              </a:lnSpc>
+              <a:buNone/>
+            </a:pPr>
+            <a:r>
+              <a:rPr lang="en-US" altLang="he-IL" dirty="0" smtClean="0"/>
+              <a:t>At each step change w based on the error and the step size </a:t>
+            </a:r>
+            <a:r>
+              <a:rPr lang="en-US" altLang="he-IL" dirty="0">
+                <a:sym typeface="Symbol" charset="0"/>
+              </a:rPr>
+              <a:t></a:t>
+            </a:r>
+            <a:endParaRPr lang="en-US" altLang="he-IL" dirty="0"/>
+          </a:p>
+          <a:p>
+            <a:pPr>
+              <a:lnSpc>
+                <a:spcPct val="110000"/>
+              </a:lnSpc>
+              <a:buFontTx/>
+              <a:buNone/>
+            </a:pPr>
+            <a:r>
+              <a:rPr lang="en-US" altLang="he-IL" dirty="0"/>
+              <a:t>   </a:t>
+            </a:r>
+            <a:r>
+              <a:rPr lang="en-US" dirty="0">
+                <a:latin typeface="Symbol" charset="0"/>
+              </a:rPr>
+              <a:t> </a:t>
+            </a:r>
+            <a:r>
+              <a:rPr lang="en-US" dirty="0" err="1" smtClean="0"/>
+              <a:t>w</a:t>
+            </a:r>
+            <a:r>
+              <a:rPr lang="en-US" baseline="-25000" dirty="0" err="1" smtClean="0"/>
+              <a:t>j</a:t>
+            </a:r>
+            <a:r>
+              <a:rPr lang="en-US" dirty="0" smtClean="0"/>
+              <a:t>  =  </a:t>
+            </a:r>
+            <a:r>
+              <a:rPr lang="en-US" dirty="0" err="1"/>
+              <a:t>w</a:t>
+            </a:r>
+            <a:r>
+              <a:rPr lang="en-US" baseline="-25000" dirty="0" err="1"/>
+              <a:t>i</a:t>
+            </a:r>
+            <a:r>
+              <a:rPr lang="en-US" dirty="0"/>
+              <a:t> </a:t>
+            </a:r>
+            <a:r>
+              <a:rPr lang="en-US" altLang="he-IL" dirty="0" smtClean="0"/>
+              <a:t>- </a:t>
+            </a:r>
+            <a:r>
+              <a:rPr lang="en-US" altLang="he-IL" dirty="0">
+                <a:sym typeface="Symbol" charset="0"/>
+              </a:rPr>
+              <a:t> </a:t>
+            </a:r>
+            <a:r>
+              <a:rPr lang="en-US" dirty="0" err="1"/>
+              <a:t>Δ</a:t>
+            </a:r>
+            <a:r>
+              <a:rPr lang="en-US" dirty="0"/>
+              <a:t>(w</a:t>
+            </a:r>
+            <a:r>
+              <a:rPr lang="en-US" dirty="0" smtClean="0"/>
+              <a:t>)</a:t>
+            </a:r>
           </a:p>
         </p:txBody>
       </p:sp>
@@ -23460,7 +23554,7 @@
           <a:p>
             <a:fld id="{7053BEFA-1175-F644-B249-7D41D72BD3FF}" type="datetime1">
               <a:rPr lang="en-US" smtClean="0"/>
-              <a:t>3/31/14</a:t>
+              <a:t>4/1/14</a:t>
             </a:fld>
             <a:endParaRPr lang="en-US"/>
           </a:p>
@@ -23503,6 +23597,150 @@
             <a:fld id="{17E276FA-8F89-B34D-A726-BE3FA1F8DD97}" type="slidenum">
               <a:rPr lang="en-US" smtClean="0"/>
               <a:t>38</a:t>
+            </a:fld>
+            <a:endParaRPr lang="en-US" dirty="0"/>
+          </a:p>
+        </p:txBody>
+      </p:sp>
+    </p:spTree>
+    <p:extLst>
+      <p:ext uri="{BB962C8B-B14F-4D97-AF65-F5344CB8AC3E}">
+        <p14:creationId xmlns:p14="http://schemas.microsoft.com/office/powerpoint/2010/main" val="1796340493"/>
+      </p:ext>
+    </p:extLst>
+  </p:cSld>
+  <p:clrMapOvr>
+    <a:masterClrMapping/>
+  </p:clrMapOvr>
+  <p:timing>
+    <p:tnLst>
+      <p:par>
+        <p:cTn xmlns:p14="http://schemas.microsoft.com/office/powerpoint/2010/main" id="1" dur="indefinite" restart="never" nodeType="tmRoot"/>
+      </p:par>
+    </p:tnLst>
+  </p:timing>
+</p:sld>
+</file>
+
+<file path=ppt/slides/slide39.xml><?xml version="1.0" encoding="utf-8"?>
+<p:sld xmlns:a="http://schemas.openxmlformats.org/drawingml/2006/main" xmlns:r="http://schemas.openxmlformats.org/officeDocument/2006/relationships" xmlns:p="http://schemas.openxmlformats.org/presentationml/2006/main">
+  <p:cSld>
+    <p:spTree>
+      <p:nvGrpSpPr>
+        <p:cNvPr id="1" name=""/>
+        <p:cNvGrpSpPr/>
+        <p:nvPr/>
+      </p:nvGrpSpPr>
+      <p:grpSpPr>
+        <a:xfrm>
+          <a:off x="0" y="0"/>
+          <a:ext cx="0" cy="0"/>
+          <a:chOff x="0" y="0"/>
+          <a:chExt cx="0" cy="0"/>
+        </a:xfrm>
+      </p:grpSpPr>
+      <p:sp>
+        <p:nvSpPr>
+          <p:cNvPr id="2" name="Title 1"/>
+          <p:cNvSpPr>
+            <a:spLocks noGrp="1"/>
+          </p:cNvSpPr>
+          <p:nvPr>
+            <p:ph type="title"/>
+          </p:nvPr>
+        </p:nvSpPr>
+        <p:spPr/>
+        <p:txBody>
+          <a:bodyPr/>
+          <a:lstStyle/>
+          <a:p>
+            <a:r>
+              <a:rPr lang="en-US" dirty="0" smtClean="0"/>
+              <a:t>Questions about HW 6?</a:t>
+            </a:r>
+            <a:endParaRPr lang="en-US" dirty="0"/>
+          </a:p>
+        </p:txBody>
+      </p:sp>
+      <p:sp>
+        <p:nvSpPr>
+          <p:cNvPr id="3" name="Content Placeholder 2"/>
+          <p:cNvSpPr>
+            <a:spLocks noGrp="1"/>
+          </p:cNvSpPr>
+          <p:nvPr>
+            <p:ph idx="1"/>
+          </p:nvPr>
+        </p:nvSpPr>
+        <p:spPr/>
+        <p:txBody>
+          <a:bodyPr/>
+          <a:lstStyle/>
+          <a:p>
+            <a:endParaRPr lang="en-US"/>
+          </a:p>
+        </p:txBody>
+      </p:sp>
+      <p:sp>
+        <p:nvSpPr>
+          <p:cNvPr id="4" name="Date Placeholder 3"/>
+          <p:cNvSpPr>
+            <a:spLocks noGrp="1"/>
+          </p:cNvSpPr>
+          <p:nvPr>
+            <p:ph type="dt" sz="half" idx="10"/>
+          </p:nvPr>
+        </p:nvSpPr>
+        <p:spPr/>
+        <p:txBody>
+          <a:bodyPr/>
+          <a:lstStyle/>
+          <a:p>
+            <a:fld id="{7053BEFA-1175-F644-B249-7D41D72BD3FF}" type="datetime1">
+              <a:rPr lang="en-US" smtClean="0"/>
+              <a:t>4/1/14</a:t>
+            </a:fld>
+            <a:endParaRPr lang="en-US"/>
+          </a:p>
+        </p:txBody>
+      </p:sp>
+      <p:sp>
+        <p:nvSpPr>
+          <p:cNvPr id="5" name="Footer Placeholder 4"/>
+          <p:cNvSpPr>
+            <a:spLocks noGrp="1"/>
+          </p:cNvSpPr>
+          <p:nvPr>
+            <p:ph type="ftr" sz="quarter" idx="11"/>
+          </p:nvPr>
+        </p:nvSpPr>
+        <p:spPr/>
+        <p:txBody>
+          <a:bodyPr/>
+          <a:lstStyle/>
+          <a:p>
+            <a:endParaRPr lang="en-US" dirty="0"/>
+          </a:p>
+        </p:txBody>
+      </p:sp>
+      <p:sp>
+        <p:nvSpPr>
+          <p:cNvPr id="6" name="Slide Number Placeholder 5"/>
+          <p:cNvSpPr>
+            <a:spLocks noGrp="1"/>
+          </p:cNvSpPr>
+          <p:nvPr>
+            <p:ph type="sldNum" sz="quarter" idx="12"/>
+          </p:nvPr>
+        </p:nvSpPr>
+        <p:spPr/>
+        <p:txBody>
+          <a:bodyPr/>
+          <a:lstStyle/>
+          <a:p>
+            <a:fld id="{17E276FA-8F89-B34D-A726-BE3FA1F8DD97}" type="slidenum">
+              <a:rPr lang="en-US" smtClean="0"/>
+              <a:t>39</a:t>
             </a:fld>
             <a:endParaRPr lang="en-US" dirty="0"/>
           </a:p>
@@ -23518,6 +23756,13 @@
   <p:clrMapOvr>
     <a:masterClrMapping/>
   </p:clrMapOvr>
+  <p:timing>
+    <p:tnLst>
+      <p:par>
+        <p:cTn xmlns:p14="http://schemas.microsoft.com/office/powerpoint/2010/main" id="1" dur="indefinite" restart="never" nodeType="tmRoot"/>
+      </p:par>
+    </p:tnLst>
+  </p:timing>
 </p:sld>
 </file>
 
@@ -23604,7 +23849,7 @@
           <a:p>
             <a:fld id="{7053BEFA-1175-F644-B249-7D41D72BD3FF}" type="datetime1">
               <a:rPr lang="en-US" smtClean="0"/>
-              <a:t>3/31/14</a:t>
+              <a:t>4/1/14</a:t>
             </a:fld>
             <a:endParaRPr lang="en-US"/>
           </a:p>
@@ -23662,6 +23907,13 @@
   <p:clrMapOvr>
     <a:masterClrMapping/>
   </p:clrMapOvr>
+  <p:timing>
+    <p:tnLst>
+      <p:par>
+        <p:cTn xmlns:p14="http://schemas.microsoft.com/office/powerpoint/2010/main" id="1" dur="indefinite" restart="never" nodeType="tmRoot"/>
+      </p:par>
+    </p:tnLst>
+  </p:timing>
 </p:sld>
 </file>
 
@@ -23776,7 +24028,7 @@
           <a:p>
             <a:fld id="{7053BEFA-1175-F644-B249-7D41D72BD3FF}" type="datetime1">
               <a:rPr lang="en-US" smtClean="0"/>
-              <a:t>3/31/14</a:t>
+              <a:t>4/1/14</a:t>
             </a:fld>
             <a:endParaRPr lang="en-US"/>
           </a:p>
@@ -23834,6 +24086,13 @@
   <p:clrMapOvr>
     <a:masterClrMapping/>
   </p:clrMapOvr>
+  <p:timing>
+    <p:tnLst>
+      <p:par>
+        <p:cTn xmlns:p14="http://schemas.microsoft.com/office/powerpoint/2010/main" id="1" dur="indefinite" restart="never" nodeType="tmRoot"/>
+      </p:par>
+    </p:tnLst>
+  </p:timing>
 </p:sld>
 </file>
 
@@ -23943,7 +24202,7 @@
           <a:p>
             <a:fld id="{7053BEFA-1175-F644-B249-7D41D72BD3FF}" type="datetime1">
               <a:rPr lang="en-US" smtClean="0"/>
-              <a:t>3/31/14</a:t>
+              <a:t>4/1/14</a:t>
             </a:fld>
             <a:endParaRPr lang="en-US"/>
           </a:p>
@@ -24001,6 +24260,13 @@
   <p:clrMapOvr>
     <a:masterClrMapping/>
   </p:clrMapOvr>
+  <p:timing>
+    <p:tnLst>
+      <p:par>
+        <p:cTn xmlns:p14="http://schemas.microsoft.com/office/powerpoint/2010/main" id="1" dur="indefinite" restart="never" nodeType="tmRoot"/>
+      </p:par>
+    </p:tnLst>
+  </p:timing>
 </p:sld>
 </file>
 
@@ -24137,7 +24403,7 @@
           <a:p>
             <a:fld id="{7053BEFA-1175-F644-B249-7D41D72BD3FF}" type="datetime1">
               <a:rPr lang="en-US" smtClean="0"/>
-              <a:t>3/31/14</a:t>
+              <a:t>4/1/14</a:t>
             </a:fld>
             <a:endParaRPr lang="en-US"/>
           </a:p>
@@ -24195,6 +24461,13 @@
   <p:clrMapOvr>
     <a:masterClrMapping/>
   </p:clrMapOvr>
+  <p:timing>
+    <p:tnLst>
+      <p:par>
+        <p:cTn xmlns:p14="http://schemas.microsoft.com/office/powerpoint/2010/main" id="1" dur="indefinite" restart="never" nodeType="tmRoot"/>
+      </p:par>
+    </p:tnLst>
+  </p:timing>
 </p:sld>
 </file>
 
@@ -24316,7 +24589,7 @@
           <a:p>
             <a:fld id="{7053BEFA-1175-F644-B249-7D41D72BD3FF}" type="datetime1">
               <a:rPr lang="en-US" smtClean="0"/>
-              <a:t>3/31/14</a:t>
+              <a:t>4/1/14</a:t>
             </a:fld>
             <a:endParaRPr lang="en-US"/>
           </a:p>
@@ -24374,6 +24647,13 @@
   <p:clrMapOvr>
     <a:masterClrMapping/>
   </p:clrMapOvr>
+  <p:timing>
+    <p:tnLst>
+      <p:par>
+        <p:cTn xmlns:p14="http://schemas.microsoft.com/office/powerpoint/2010/main" id="1" dur="indefinite" restart="never" nodeType="tmRoot"/>
+      </p:par>
+    </p:tnLst>
+  </p:timing>
 </p:sld>
 </file>
 
@@ -24482,7 +24762,7 @@
           <a:p>
             <a:fld id="{7053BEFA-1175-F644-B249-7D41D72BD3FF}" type="datetime1">
               <a:rPr lang="en-US" smtClean="0"/>
-              <a:t>3/31/14</a:t>
+              <a:t>4/1/14</a:t>
             </a:fld>
             <a:endParaRPr lang="en-US"/>
           </a:p>
@@ -24540,6 +24820,13 @@
   <p:clrMapOvr>
     <a:masterClrMapping/>
   </p:clrMapOvr>
+  <p:timing>
+    <p:tnLst>
+      <p:par>
+        <p:cTn xmlns:p14="http://schemas.microsoft.com/office/powerpoint/2010/main" id="1" dur="indefinite" restart="never" nodeType="tmRoot"/>
+      </p:par>
+    </p:tnLst>
+  </p:timing>
 </p:sld>
 </file>
 
